--- a/中期-第二组.pptx
+++ b/中期-第二组.pptx
@@ -5,24 +5,24 @@
     <p:sldMasterId id="2147483648" r:id="rId1"/>
   </p:sldMasterIdLst>
   <p:notesMasterIdLst>
-    <p:notesMasterId r:id="rId4"/>
+    <p:notesMasterId r:id="rId17"/>
   </p:notesMasterIdLst>
   <p:sldIdLst>
-    <p:sldId id="256" r:id="rId3"/>
-    <p:sldId id="257" r:id="rId5"/>
-    <p:sldId id="258" r:id="rId6"/>
-    <p:sldId id="259" r:id="rId7"/>
-    <p:sldId id="276" r:id="rId8"/>
-    <p:sldId id="277" r:id="rId9"/>
-    <p:sldId id="278" r:id="rId10"/>
-    <p:sldId id="279" r:id="rId11"/>
-    <p:sldId id="280" r:id="rId12"/>
-    <p:sldId id="262" r:id="rId13"/>
-    <p:sldId id="281" r:id="rId14"/>
-    <p:sldId id="282" r:id="rId15"/>
-    <p:sldId id="283" r:id="rId16"/>
-    <p:sldId id="284" r:id="rId17"/>
-    <p:sldId id="275" r:id="rId18"/>
+    <p:sldId id="256" r:id="rId2"/>
+    <p:sldId id="257" r:id="rId3"/>
+    <p:sldId id="258" r:id="rId4"/>
+    <p:sldId id="259" r:id="rId5"/>
+    <p:sldId id="276" r:id="rId6"/>
+    <p:sldId id="277" r:id="rId7"/>
+    <p:sldId id="278" r:id="rId8"/>
+    <p:sldId id="279" r:id="rId9"/>
+    <p:sldId id="280" r:id="rId10"/>
+    <p:sldId id="262" r:id="rId11"/>
+    <p:sldId id="281" r:id="rId12"/>
+    <p:sldId id="282" r:id="rId13"/>
+    <p:sldId id="283" r:id="rId14"/>
+    <p:sldId id="284" r:id="rId15"/>
+    <p:sldId id="275" r:id="rId16"/>
   </p:sldIdLst>
   <p:sldSz cx="12192000" cy="6858000"/>
   <p:notesSz cx="6858000" cy="9144000"/>
@@ -121,6 +121,11 @@
       </a:defRPr>
     </a:lvl9pPr>
   </p:defaultTextStyle>
+  <p:extLst>
+    <p:ext uri="{EFAFB233-063F-42B5-8137-9DF3F51BA10A}">
+      <p15:sldGuideLst xmlns:p15="http://schemas.microsoft.com/office/powerpoint/2012/main"/>
+    </p:ext>
+  </p:extLst>
 </p:presentation>
 </file>
 
@@ -212,6 +217,7 @@
           <a:p>
             <a:fld id="{D2A48B96-639E-45A3-A0BA-2464DFDB1FAA}" type="datetimeFigureOut">
               <a:rPr lang="zh-CN" altLang="en-US" smtClean="0"/>
+              <a:t>2023/12/25</a:t>
             </a:fld>
             <a:endParaRPr lang="zh-CN" altLang="en-US"/>
           </a:p>
@@ -275,42 +281,37 @@
           <a:p>
             <a:pPr lvl="0"/>
             <a:r>
-              <a:rPr lang="zh-CN" altLang="en-US" smtClean="0"/>
+              <a:rPr lang="zh-CN" altLang="en-US"/>
               <a:t>单击此处编辑母版文本样式</a:t>
             </a:r>
-            <a:endParaRPr lang="zh-CN" altLang="en-US" smtClean="0"/>
           </a:p>
           <a:p>
             <a:pPr lvl="1"/>
             <a:r>
-              <a:rPr lang="zh-CN" altLang="en-US" smtClean="0"/>
+              <a:rPr lang="zh-CN" altLang="en-US"/>
               <a:t>第二级</a:t>
             </a:r>
-            <a:endParaRPr lang="zh-CN" altLang="en-US" smtClean="0"/>
           </a:p>
           <a:p>
             <a:pPr lvl="2"/>
             <a:r>
-              <a:rPr lang="zh-CN" altLang="en-US" smtClean="0"/>
+              <a:rPr lang="zh-CN" altLang="en-US"/>
               <a:t>第三级</a:t>
             </a:r>
-            <a:endParaRPr lang="zh-CN" altLang="en-US" smtClean="0"/>
           </a:p>
           <a:p>
             <a:pPr lvl="3"/>
             <a:r>
-              <a:rPr lang="zh-CN" altLang="en-US" smtClean="0"/>
+              <a:rPr lang="zh-CN" altLang="en-US"/>
               <a:t>第四级</a:t>
             </a:r>
-            <a:endParaRPr lang="zh-CN" altLang="en-US" smtClean="0"/>
           </a:p>
           <a:p>
             <a:pPr lvl="4"/>
             <a:r>
-              <a:rPr lang="zh-CN" altLang="en-US" smtClean="0"/>
+              <a:rPr lang="zh-CN" altLang="en-US"/>
               <a:t>第五级</a:t>
             </a:r>
-            <a:endParaRPr lang="zh-CN" altLang="en-US"/>
           </a:p>
         </p:txBody>
       </p:sp>
@@ -374,6 +375,7 @@
           <a:p>
             <a:fld id="{A6837353-30EB-4A48-80EB-173D804AEFBD}" type="slidenum">
               <a:rPr lang="zh-CN" altLang="en-US" smtClean="0"/>
+              <a:t>‹#›</a:t>
             </a:fld>
             <a:endParaRPr lang="zh-CN" altLang="en-US"/>
           </a:p>
@@ -542,6 +544,7 @@
           <a:p>
             <a:fld id="{06F85E40-1EE5-45D2-90A1-8CFDB938D33C}" type="slidenum">
               <a:rPr lang="zh-CN" altLang="en-US" smtClean="0"/>
+              <a:t>1</a:t>
             </a:fld>
             <a:endParaRPr lang="zh-CN" altLang="en-US"/>
           </a:p>
@@ -597,10 +600,9 @@
           </a:lstStyle>
           <a:p>
             <a:r>
-              <a:rPr lang="zh-CN" altLang="en-US" smtClean="0"/>
+              <a:rPr lang="zh-CN" altLang="en-US"/>
               <a:t>单击此处编辑母版标题样式</a:t>
             </a:r>
-            <a:endParaRPr lang="zh-CN" altLang="en-US"/>
           </a:p>
         </p:txBody>
       </p:sp>
@@ -662,10 +664,9 @@
           </a:lstStyle>
           <a:p>
             <a:r>
-              <a:rPr lang="zh-CN" altLang="en-US" smtClean="0"/>
+              <a:rPr lang="zh-CN" altLang="en-US"/>
               <a:t>单击此处编辑母版副标题样式</a:t>
             </a:r>
-            <a:endParaRPr lang="zh-CN" altLang="en-US"/>
           </a:p>
         </p:txBody>
       </p:sp>
@@ -686,6 +687,7 @@
           <a:p>
             <a:fld id="{D997B5FA-0921-464F-AAE1-844C04324D75}" type="datetimeFigureOut">
               <a:rPr lang="zh-CN" altLang="en-US" smtClean="0"/>
+              <a:t>2023/12/25</a:t>
             </a:fld>
             <a:endParaRPr lang="zh-CN" altLang="en-US"/>
           </a:p>
@@ -727,6 +729,7 @@
           <a:p>
             <a:fld id="{565CE74E-AB26-4998-AD42-012C4C1AD076}" type="slidenum">
               <a:rPr lang="zh-CN" altLang="en-US" smtClean="0"/>
+              <a:t>‹#›</a:t>
             </a:fld>
             <a:endParaRPr lang="zh-CN" altLang="en-US"/>
           </a:p>
@@ -773,10 +776,9 @@
           <a:lstStyle/>
           <a:p>
             <a:r>
-              <a:rPr lang="zh-CN" altLang="en-US" smtClean="0"/>
+              <a:rPr lang="zh-CN" altLang="en-US"/>
               <a:t>单击此处编辑母版标题样式</a:t>
             </a:r>
-            <a:endParaRPr lang="zh-CN" altLang="en-US"/>
           </a:p>
         </p:txBody>
       </p:sp>
@@ -797,42 +799,37 @@
           <a:p>
             <a:pPr lvl="0"/>
             <a:r>
-              <a:rPr lang="zh-CN" altLang="en-US" smtClean="0"/>
+              <a:rPr lang="zh-CN" altLang="en-US"/>
               <a:t>单击此处编辑母版文本样式</a:t>
             </a:r>
-            <a:endParaRPr lang="zh-CN" altLang="en-US" smtClean="0"/>
           </a:p>
           <a:p>
             <a:pPr lvl="1"/>
             <a:r>
-              <a:rPr lang="zh-CN" altLang="en-US" smtClean="0"/>
+              <a:rPr lang="zh-CN" altLang="en-US"/>
               <a:t>第二级</a:t>
             </a:r>
-            <a:endParaRPr lang="zh-CN" altLang="en-US" smtClean="0"/>
           </a:p>
           <a:p>
             <a:pPr lvl="2"/>
             <a:r>
-              <a:rPr lang="zh-CN" altLang="en-US" smtClean="0"/>
+              <a:rPr lang="zh-CN" altLang="en-US"/>
               <a:t>第三级</a:t>
             </a:r>
-            <a:endParaRPr lang="zh-CN" altLang="en-US" smtClean="0"/>
           </a:p>
           <a:p>
             <a:pPr lvl="3"/>
             <a:r>
-              <a:rPr lang="zh-CN" altLang="en-US" smtClean="0"/>
+              <a:rPr lang="zh-CN" altLang="en-US"/>
               <a:t>第四级</a:t>
             </a:r>
-            <a:endParaRPr lang="zh-CN" altLang="en-US" smtClean="0"/>
           </a:p>
           <a:p>
             <a:pPr lvl="4"/>
             <a:r>
-              <a:rPr lang="zh-CN" altLang="en-US" smtClean="0"/>
+              <a:rPr lang="zh-CN" altLang="en-US"/>
               <a:t>第五级</a:t>
             </a:r>
-            <a:endParaRPr lang="zh-CN" altLang="en-US"/>
           </a:p>
         </p:txBody>
       </p:sp>
@@ -853,6 +850,7 @@
           <a:p>
             <a:fld id="{D997B5FA-0921-464F-AAE1-844C04324D75}" type="datetimeFigureOut">
               <a:rPr lang="zh-CN" altLang="en-US" smtClean="0"/>
+              <a:t>2023/12/25</a:t>
             </a:fld>
             <a:endParaRPr lang="zh-CN" altLang="en-US"/>
           </a:p>
@@ -894,6 +892,7 @@
           <a:p>
             <a:fld id="{565CE74E-AB26-4998-AD42-012C4C1AD076}" type="slidenum">
               <a:rPr lang="zh-CN" altLang="en-US" smtClean="0"/>
+              <a:t>‹#›</a:t>
             </a:fld>
             <a:endParaRPr lang="zh-CN" altLang="en-US"/>
           </a:p>
@@ -945,10 +944,9 @@
           <a:lstStyle/>
           <a:p>
             <a:r>
-              <a:rPr lang="zh-CN" altLang="en-US" smtClean="0"/>
+              <a:rPr lang="zh-CN" altLang="en-US"/>
               <a:t>单击此处编辑母版标题样式</a:t>
             </a:r>
-            <a:endParaRPr lang="zh-CN" altLang="en-US"/>
           </a:p>
         </p:txBody>
       </p:sp>
@@ -974,42 +972,37 @@
           <a:p>
             <a:pPr lvl="0"/>
             <a:r>
-              <a:rPr lang="zh-CN" altLang="en-US" smtClean="0"/>
+              <a:rPr lang="zh-CN" altLang="en-US"/>
               <a:t>单击此处编辑母版文本样式</a:t>
             </a:r>
-            <a:endParaRPr lang="zh-CN" altLang="en-US" smtClean="0"/>
           </a:p>
           <a:p>
             <a:pPr lvl="1"/>
             <a:r>
-              <a:rPr lang="zh-CN" altLang="en-US" smtClean="0"/>
+              <a:rPr lang="zh-CN" altLang="en-US"/>
               <a:t>第二级</a:t>
             </a:r>
-            <a:endParaRPr lang="zh-CN" altLang="en-US" smtClean="0"/>
           </a:p>
           <a:p>
             <a:pPr lvl="2"/>
             <a:r>
-              <a:rPr lang="zh-CN" altLang="en-US" smtClean="0"/>
+              <a:rPr lang="zh-CN" altLang="en-US"/>
               <a:t>第三级</a:t>
             </a:r>
-            <a:endParaRPr lang="zh-CN" altLang="en-US" smtClean="0"/>
           </a:p>
           <a:p>
             <a:pPr lvl="3"/>
             <a:r>
-              <a:rPr lang="zh-CN" altLang="en-US" smtClean="0"/>
+              <a:rPr lang="zh-CN" altLang="en-US"/>
               <a:t>第四级</a:t>
             </a:r>
-            <a:endParaRPr lang="zh-CN" altLang="en-US" smtClean="0"/>
           </a:p>
           <a:p>
             <a:pPr lvl="4"/>
             <a:r>
-              <a:rPr lang="zh-CN" altLang="en-US" smtClean="0"/>
+              <a:rPr lang="zh-CN" altLang="en-US"/>
               <a:t>第五级</a:t>
             </a:r>
-            <a:endParaRPr lang="zh-CN" altLang="en-US"/>
           </a:p>
         </p:txBody>
       </p:sp>
@@ -1030,6 +1023,7 @@
           <a:p>
             <a:fld id="{D997B5FA-0921-464F-AAE1-844C04324D75}" type="datetimeFigureOut">
               <a:rPr lang="zh-CN" altLang="en-US" smtClean="0"/>
+              <a:t>2023/12/25</a:t>
             </a:fld>
             <a:endParaRPr lang="zh-CN" altLang="en-US"/>
           </a:p>
@@ -1071,6 +1065,7 @@
           <a:p>
             <a:fld id="{565CE74E-AB26-4998-AD42-012C4C1AD076}" type="slidenum">
               <a:rPr lang="zh-CN" altLang="en-US" smtClean="0"/>
+              <a:t>‹#›</a:t>
             </a:fld>
             <a:endParaRPr lang="zh-CN" altLang="en-US"/>
           </a:p>
@@ -1117,10 +1112,9 @@
           <a:lstStyle/>
           <a:p>
             <a:r>
-              <a:rPr lang="zh-CN" altLang="en-US" smtClean="0"/>
+              <a:rPr lang="zh-CN" altLang="en-US"/>
               <a:t>单击此处编辑母版标题样式</a:t>
             </a:r>
-            <a:endParaRPr lang="zh-CN" altLang="en-US"/>
           </a:p>
         </p:txBody>
       </p:sp>
@@ -1141,42 +1135,37 @@
           <a:p>
             <a:pPr lvl="0"/>
             <a:r>
-              <a:rPr lang="zh-CN" altLang="en-US" smtClean="0"/>
+              <a:rPr lang="zh-CN" altLang="en-US"/>
               <a:t>单击此处编辑母版文本样式</a:t>
             </a:r>
-            <a:endParaRPr lang="zh-CN" altLang="en-US" smtClean="0"/>
           </a:p>
           <a:p>
             <a:pPr lvl="1"/>
             <a:r>
-              <a:rPr lang="zh-CN" altLang="en-US" smtClean="0"/>
+              <a:rPr lang="zh-CN" altLang="en-US"/>
               <a:t>第二级</a:t>
             </a:r>
-            <a:endParaRPr lang="zh-CN" altLang="en-US" smtClean="0"/>
           </a:p>
           <a:p>
             <a:pPr lvl="2"/>
             <a:r>
-              <a:rPr lang="zh-CN" altLang="en-US" smtClean="0"/>
+              <a:rPr lang="zh-CN" altLang="en-US"/>
               <a:t>第三级</a:t>
             </a:r>
-            <a:endParaRPr lang="zh-CN" altLang="en-US" smtClean="0"/>
           </a:p>
           <a:p>
             <a:pPr lvl="3"/>
             <a:r>
-              <a:rPr lang="zh-CN" altLang="en-US" smtClean="0"/>
+              <a:rPr lang="zh-CN" altLang="en-US"/>
               <a:t>第四级</a:t>
             </a:r>
-            <a:endParaRPr lang="zh-CN" altLang="en-US" smtClean="0"/>
           </a:p>
           <a:p>
             <a:pPr lvl="4"/>
             <a:r>
-              <a:rPr lang="zh-CN" altLang="en-US" smtClean="0"/>
+              <a:rPr lang="zh-CN" altLang="en-US"/>
               <a:t>第五级</a:t>
             </a:r>
-            <a:endParaRPr lang="zh-CN" altLang="en-US"/>
           </a:p>
         </p:txBody>
       </p:sp>
@@ -1197,6 +1186,7 @@
           <a:p>
             <a:fld id="{D997B5FA-0921-464F-AAE1-844C04324D75}" type="datetimeFigureOut">
               <a:rPr lang="zh-CN" altLang="en-US" smtClean="0"/>
+              <a:t>2023/12/25</a:t>
             </a:fld>
             <a:endParaRPr lang="zh-CN" altLang="en-US"/>
           </a:p>
@@ -1238,6 +1228,7 @@
           <a:p>
             <a:fld id="{565CE74E-AB26-4998-AD42-012C4C1AD076}" type="slidenum">
               <a:rPr lang="zh-CN" altLang="en-US" smtClean="0"/>
+              <a:t>‹#›</a:t>
             </a:fld>
             <a:endParaRPr lang="zh-CN" altLang="en-US"/>
           </a:p>
@@ -1293,10 +1284,9 @@
           </a:lstStyle>
           <a:p>
             <a:r>
-              <a:rPr lang="zh-CN" altLang="en-US" smtClean="0"/>
+              <a:rPr lang="zh-CN" altLang="en-US"/>
               <a:t>单击此处编辑母版标题样式</a:t>
             </a:r>
-            <a:endParaRPr lang="zh-CN" altLang="en-US"/>
           </a:p>
         </p:txBody>
       </p:sp>
@@ -1413,10 +1403,9 @@
           <a:p>
             <a:pPr lvl="0"/>
             <a:r>
-              <a:rPr lang="zh-CN" altLang="en-US" smtClean="0"/>
+              <a:rPr lang="zh-CN" altLang="en-US"/>
               <a:t>单击此处编辑母版文本样式</a:t>
             </a:r>
-            <a:endParaRPr lang="zh-CN" altLang="en-US" smtClean="0"/>
           </a:p>
         </p:txBody>
       </p:sp>
@@ -1437,6 +1426,7 @@
           <a:p>
             <a:fld id="{D997B5FA-0921-464F-AAE1-844C04324D75}" type="datetimeFigureOut">
               <a:rPr lang="zh-CN" altLang="en-US" smtClean="0"/>
+              <a:t>2023/12/25</a:t>
             </a:fld>
             <a:endParaRPr lang="zh-CN" altLang="en-US"/>
           </a:p>
@@ -1478,6 +1468,7 @@
           <a:p>
             <a:fld id="{565CE74E-AB26-4998-AD42-012C4C1AD076}" type="slidenum">
               <a:rPr lang="zh-CN" altLang="en-US" smtClean="0"/>
+              <a:t>‹#›</a:t>
             </a:fld>
             <a:endParaRPr lang="zh-CN" altLang="en-US"/>
           </a:p>
@@ -1524,10 +1515,9 @@
           <a:lstStyle/>
           <a:p>
             <a:r>
-              <a:rPr lang="zh-CN" altLang="en-US" smtClean="0"/>
+              <a:rPr lang="zh-CN" altLang="en-US"/>
               <a:t>单击此处编辑母版标题样式</a:t>
             </a:r>
-            <a:endParaRPr lang="zh-CN" altLang="en-US"/>
           </a:p>
         </p:txBody>
       </p:sp>
@@ -1553,42 +1543,37 @@
           <a:p>
             <a:pPr lvl="0"/>
             <a:r>
-              <a:rPr lang="zh-CN" altLang="en-US" smtClean="0"/>
+              <a:rPr lang="zh-CN" altLang="en-US"/>
               <a:t>单击此处编辑母版文本样式</a:t>
             </a:r>
-            <a:endParaRPr lang="zh-CN" altLang="en-US" smtClean="0"/>
           </a:p>
           <a:p>
             <a:pPr lvl="1"/>
             <a:r>
-              <a:rPr lang="zh-CN" altLang="en-US" smtClean="0"/>
+              <a:rPr lang="zh-CN" altLang="en-US"/>
               <a:t>第二级</a:t>
             </a:r>
-            <a:endParaRPr lang="zh-CN" altLang="en-US" smtClean="0"/>
           </a:p>
           <a:p>
             <a:pPr lvl="2"/>
             <a:r>
-              <a:rPr lang="zh-CN" altLang="en-US" smtClean="0"/>
+              <a:rPr lang="zh-CN" altLang="en-US"/>
               <a:t>第三级</a:t>
             </a:r>
-            <a:endParaRPr lang="zh-CN" altLang="en-US" smtClean="0"/>
           </a:p>
           <a:p>
             <a:pPr lvl="3"/>
             <a:r>
-              <a:rPr lang="zh-CN" altLang="en-US" smtClean="0"/>
+              <a:rPr lang="zh-CN" altLang="en-US"/>
               <a:t>第四级</a:t>
             </a:r>
-            <a:endParaRPr lang="zh-CN" altLang="en-US" smtClean="0"/>
           </a:p>
           <a:p>
             <a:pPr lvl="4"/>
             <a:r>
-              <a:rPr lang="zh-CN" altLang="en-US" smtClean="0"/>
+              <a:rPr lang="zh-CN" altLang="en-US"/>
               <a:t>第五级</a:t>
             </a:r>
-            <a:endParaRPr lang="zh-CN" altLang="en-US"/>
           </a:p>
         </p:txBody>
       </p:sp>
@@ -1614,42 +1599,37 @@
           <a:p>
             <a:pPr lvl="0"/>
             <a:r>
-              <a:rPr lang="zh-CN" altLang="en-US" smtClean="0"/>
+              <a:rPr lang="zh-CN" altLang="en-US"/>
               <a:t>单击此处编辑母版文本样式</a:t>
             </a:r>
-            <a:endParaRPr lang="zh-CN" altLang="en-US" smtClean="0"/>
           </a:p>
           <a:p>
             <a:pPr lvl="1"/>
             <a:r>
-              <a:rPr lang="zh-CN" altLang="en-US" smtClean="0"/>
+              <a:rPr lang="zh-CN" altLang="en-US"/>
               <a:t>第二级</a:t>
             </a:r>
-            <a:endParaRPr lang="zh-CN" altLang="en-US" smtClean="0"/>
           </a:p>
           <a:p>
             <a:pPr lvl="2"/>
             <a:r>
-              <a:rPr lang="zh-CN" altLang="en-US" smtClean="0"/>
+              <a:rPr lang="zh-CN" altLang="en-US"/>
               <a:t>第三级</a:t>
             </a:r>
-            <a:endParaRPr lang="zh-CN" altLang="en-US" smtClean="0"/>
           </a:p>
           <a:p>
             <a:pPr lvl="3"/>
             <a:r>
-              <a:rPr lang="zh-CN" altLang="en-US" smtClean="0"/>
+              <a:rPr lang="zh-CN" altLang="en-US"/>
               <a:t>第四级</a:t>
             </a:r>
-            <a:endParaRPr lang="zh-CN" altLang="en-US" smtClean="0"/>
           </a:p>
           <a:p>
             <a:pPr lvl="4"/>
             <a:r>
-              <a:rPr lang="zh-CN" altLang="en-US" smtClean="0"/>
+              <a:rPr lang="zh-CN" altLang="en-US"/>
               <a:t>第五级</a:t>
             </a:r>
-            <a:endParaRPr lang="zh-CN" altLang="en-US"/>
           </a:p>
         </p:txBody>
       </p:sp>
@@ -1670,6 +1650,7 @@
           <a:p>
             <a:fld id="{D997B5FA-0921-464F-AAE1-844C04324D75}" type="datetimeFigureOut">
               <a:rPr lang="zh-CN" altLang="en-US" smtClean="0"/>
+              <a:t>2023/12/25</a:t>
             </a:fld>
             <a:endParaRPr lang="zh-CN" altLang="en-US"/>
           </a:p>
@@ -1711,6 +1692,7 @@
           <a:p>
             <a:fld id="{565CE74E-AB26-4998-AD42-012C4C1AD076}" type="slidenum">
               <a:rPr lang="zh-CN" altLang="en-US" smtClean="0"/>
+              <a:t>‹#›</a:t>
             </a:fld>
             <a:endParaRPr lang="zh-CN" altLang="en-US"/>
           </a:p>
@@ -1762,10 +1744,9 @@
           <a:lstStyle/>
           <a:p>
             <a:r>
-              <a:rPr lang="zh-CN" altLang="en-US" smtClean="0"/>
+              <a:rPr lang="zh-CN" altLang="en-US"/>
               <a:t>单击此处编辑母版标题样式</a:t>
             </a:r>
-            <a:endParaRPr lang="zh-CN" altLang="en-US"/>
           </a:p>
         </p:txBody>
       </p:sp>
@@ -1828,10 +1809,9 @@
           <a:p>
             <a:pPr lvl="0"/>
             <a:r>
-              <a:rPr lang="zh-CN" altLang="en-US" smtClean="0"/>
+              <a:rPr lang="zh-CN" altLang="en-US"/>
               <a:t>单击此处编辑母版文本样式</a:t>
             </a:r>
-            <a:endParaRPr lang="zh-CN" altLang="en-US" smtClean="0"/>
           </a:p>
         </p:txBody>
       </p:sp>
@@ -1857,42 +1837,37 @@
           <a:p>
             <a:pPr lvl="0"/>
             <a:r>
-              <a:rPr lang="zh-CN" altLang="en-US" smtClean="0"/>
+              <a:rPr lang="zh-CN" altLang="en-US"/>
               <a:t>单击此处编辑母版文本样式</a:t>
             </a:r>
-            <a:endParaRPr lang="zh-CN" altLang="en-US" smtClean="0"/>
           </a:p>
           <a:p>
             <a:pPr lvl="1"/>
             <a:r>
-              <a:rPr lang="zh-CN" altLang="en-US" smtClean="0"/>
+              <a:rPr lang="zh-CN" altLang="en-US"/>
               <a:t>第二级</a:t>
             </a:r>
-            <a:endParaRPr lang="zh-CN" altLang="en-US" smtClean="0"/>
           </a:p>
           <a:p>
             <a:pPr lvl="2"/>
             <a:r>
-              <a:rPr lang="zh-CN" altLang="en-US" smtClean="0"/>
+              <a:rPr lang="zh-CN" altLang="en-US"/>
               <a:t>第三级</a:t>
             </a:r>
-            <a:endParaRPr lang="zh-CN" altLang="en-US" smtClean="0"/>
           </a:p>
           <a:p>
             <a:pPr lvl="3"/>
             <a:r>
-              <a:rPr lang="zh-CN" altLang="en-US" smtClean="0"/>
+              <a:rPr lang="zh-CN" altLang="en-US"/>
               <a:t>第四级</a:t>
             </a:r>
-            <a:endParaRPr lang="zh-CN" altLang="en-US" smtClean="0"/>
           </a:p>
           <a:p>
             <a:pPr lvl="4"/>
             <a:r>
-              <a:rPr lang="zh-CN" altLang="en-US" smtClean="0"/>
+              <a:rPr lang="zh-CN" altLang="en-US"/>
               <a:t>第五级</a:t>
             </a:r>
-            <a:endParaRPr lang="zh-CN" altLang="en-US"/>
           </a:p>
         </p:txBody>
       </p:sp>
@@ -1955,10 +1930,9 @@
           <a:p>
             <a:pPr lvl="0"/>
             <a:r>
-              <a:rPr lang="zh-CN" altLang="en-US" smtClean="0"/>
+              <a:rPr lang="zh-CN" altLang="en-US"/>
               <a:t>单击此处编辑母版文本样式</a:t>
             </a:r>
-            <a:endParaRPr lang="zh-CN" altLang="en-US" smtClean="0"/>
           </a:p>
         </p:txBody>
       </p:sp>
@@ -1984,42 +1958,37 @@
           <a:p>
             <a:pPr lvl="0"/>
             <a:r>
-              <a:rPr lang="zh-CN" altLang="en-US" smtClean="0"/>
+              <a:rPr lang="zh-CN" altLang="en-US"/>
               <a:t>单击此处编辑母版文本样式</a:t>
             </a:r>
-            <a:endParaRPr lang="zh-CN" altLang="en-US" smtClean="0"/>
           </a:p>
           <a:p>
             <a:pPr lvl="1"/>
             <a:r>
-              <a:rPr lang="zh-CN" altLang="en-US" smtClean="0"/>
+              <a:rPr lang="zh-CN" altLang="en-US"/>
               <a:t>第二级</a:t>
             </a:r>
-            <a:endParaRPr lang="zh-CN" altLang="en-US" smtClean="0"/>
           </a:p>
           <a:p>
             <a:pPr lvl="2"/>
             <a:r>
-              <a:rPr lang="zh-CN" altLang="en-US" smtClean="0"/>
+              <a:rPr lang="zh-CN" altLang="en-US"/>
               <a:t>第三级</a:t>
             </a:r>
-            <a:endParaRPr lang="zh-CN" altLang="en-US" smtClean="0"/>
           </a:p>
           <a:p>
             <a:pPr lvl="3"/>
             <a:r>
-              <a:rPr lang="zh-CN" altLang="en-US" smtClean="0"/>
+              <a:rPr lang="zh-CN" altLang="en-US"/>
               <a:t>第四级</a:t>
             </a:r>
-            <a:endParaRPr lang="zh-CN" altLang="en-US" smtClean="0"/>
           </a:p>
           <a:p>
             <a:pPr lvl="4"/>
             <a:r>
-              <a:rPr lang="zh-CN" altLang="en-US" smtClean="0"/>
+              <a:rPr lang="zh-CN" altLang="en-US"/>
               <a:t>第五级</a:t>
             </a:r>
-            <a:endParaRPr lang="zh-CN" altLang="en-US"/>
           </a:p>
         </p:txBody>
       </p:sp>
@@ -2040,6 +2009,7 @@
           <a:p>
             <a:fld id="{D997B5FA-0921-464F-AAE1-844C04324D75}" type="datetimeFigureOut">
               <a:rPr lang="zh-CN" altLang="en-US" smtClean="0"/>
+              <a:t>2023/12/25</a:t>
             </a:fld>
             <a:endParaRPr lang="zh-CN" altLang="en-US"/>
           </a:p>
@@ -2081,6 +2051,7 @@
           <a:p>
             <a:fld id="{565CE74E-AB26-4998-AD42-012C4C1AD076}" type="slidenum">
               <a:rPr lang="zh-CN" altLang="en-US" smtClean="0"/>
+              <a:t>‹#›</a:t>
             </a:fld>
             <a:endParaRPr lang="zh-CN" altLang="en-US"/>
           </a:p>
@@ -2127,10 +2098,9 @@
           <a:lstStyle/>
           <a:p>
             <a:r>
-              <a:rPr lang="zh-CN" altLang="en-US" smtClean="0"/>
+              <a:rPr lang="zh-CN" altLang="en-US"/>
               <a:t>单击此处编辑母版标题样式</a:t>
             </a:r>
-            <a:endParaRPr lang="zh-CN" altLang="en-US"/>
           </a:p>
         </p:txBody>
       </p:sp>
@@ -2151,6 +2121,7 @@
           <a:p>
             <a:fld id="{D997B5FA-0921-464F-AAE1-844C04324D75}" type="datetimeFigureOut">
               <a:rPr lang="zh-CN" altLang="en-US" smtClean="0"/>
+              <a:t>2023/12/25</a:t>
             </a:fld>
             <a:endParaRPr lang="zh-CN" altLang="en-US"/>
           </a:p>
@@ -2192,6 +2163,7 @@
           <a:p>
             <a:fld id="{565CE74E-AB26-4998-AD42-012C4C1AD076}" type="slidenum">
               <a:rPr lang="zh-CN" altLang="en-US" smtClean="0"/>
+              <a:t>‹#›</a:t>
             </a:fld>
             <a:endParaRPr lang="zh-CN" altLang="en-US"/>
           </a:p>
@@ -2239,6 +2211,7 @@
           <a:p>
             <a:fld id="{D997B5FA-0921-464F-AAE1-844C04324D75}" type="datetimeFigureOut">
               <a:rPr lang="zh-CN" altLang="en-US" smtClean="0"/>
+              <a:t>2023/12/25</a:t>
             </a:fld>
             <a:endParaRPr lang="zh-CN" altLang="en-US"/>
           </a:p>
@@ -2280,6 +2253,7 @@
           <a:p>
             <a:fld id="{565CE74E-AB26-4998-AD42-012C4C1AD076}" type="slidenum">
               <a:rPr lang="zh-CN" altLang="en-US" smtClean="0"/>
+              <a:t>‹#›</a:t>
             </a:fld>
             <a:endParaRPr lang="zh-CN" altLang="en-US"/>
           </a:p>
@@ -2335,10 +2309,9 @@
           </a:lstStyle>
           <a:p>
             <a:r>
-              <a:rPr lang="zh-CN" altLang="en-US" smtClean="0"/>
+              <a:rPr lang="zh-CN" altLang="en-US"/>
               <a:t>单击此处编辑母版标题样式</a:t>
             </a:r>
-            <a:endParaRPr lang="zh-CN" altLang="en-US"/>
           </a:p>
         </p:txBody>
       </p:sp>
@@ -2392,42 +2365,37 @@
           <a:p>
             <a:pPr lvl="0"/>
             <a:r>
-              <a:rPr lang="zh-CN" altLang="en-US" smtClean="0"/>
+              <a:rPr lang="zh-CN" altLang="en-US"/>
               <a:t>单击此处编辑母版文本样式</a:t>
             </a:r>
-            <a:endParaRPr lang="zh-CN" altLang="en-US" smtClean="0"/>
           </a:p>
           <a:p>
             <a:pPr lvl="1"/>
             <a:r>
-              <a:rPr lang="zh-CN" altLang="en-US" smtClean="0"/>
+              <a:rPr lang="zh-CN" altLang="en-US"/>
               <a:t>第二级</a:t>
             </a:r>
-            <a:endParaRPr lang="zh-CN" altLang="en-US" smtClean="0"/>
           </a:p>
           <a:p>
             <a:pPr lvl="2"/>
             <a:r>
-              <a:rPr lang="zh-CN" altLang="en-US" smtClean="0"/>
+              <a:rPr lang="zh-CN" altLang="en-US"/>
               <a:t>第三级</a:t>
             </a:r>
-            <a:endParaRPr lang="zh-CN" altLang="en-US" smtClean="0"/>
           </a:p>
           <a:p>
             <a:pPr lvl="3"/>
             <a:r>
-              <a:rPr lang="zh-CN" altLang="en-US" smtClean="0"/>
+              <a:rPr lang="zh-CN" altLang="en-US"/>
               <a:t>第四级</a:t>
             </a:r>
-            <a:endParaRPr lang="zh-CN" altLang="en-US" smtClean="0"/>
           </a:p>
           <a:p>
             <a:pPr lvl="4"/>
             <a:r>
-              <a:rPr lang="zh-CN" altLang="en-US" smtClean="0"/>
+              <a:rPr lang="zh-CN" altLang="en-US"/>
               <a:t>第五级</a:t>
             </a:r>
-            <a:endParaRPr lang="zh-CN" altLang="en-US"/>
           </a:p>
         </p:txBody>
       </p:sp>
@@ -2490,10 +2458,9 @@
           <a:p>
             <a:pPr lvl="0"/>
             <a:r>
-              <a:rPr lang="zh-CN" altLang="en-US" smtClean="0"/>
+              <a:rPr lang="zh-CN" altLang="en-US"/>
               <a:t>单击此处编辑母版文本样式</a:t>
             </a:r>
-            <a:endParaRPr lang="zh-CN" altLang="en-US" smtClean="0"/>
           </a:p>
         </p:txBody>
       </p:sp>
@@ -2514,6 +2481,7 @@
           <a:p>
             <a:fld id="{D997B5FA-0921-464F-AAE1-844C04324D75}" type="datetimeFigureOut">
               <a:rPr lang="zh-CN" altLang="en-US" smtClean="0"/>
+              <a:t>2023/12/25</a:t>
             </a:fld>
             <a:endParaRPr lang="zh-CN" altLang="en-US"/>
           </a:p>
@@ -2555,6 +2523,7 @@
           <a:p>
             <a:fld id="{565CE74E-AB26-4998-AD42-012C4C1AD076}" type="slidenum">
               <a:rPr lang="zh-CN" altLang="en-US" smtClean="0"/>
+              <a:t>‹#›</a:t>
             </a:fld>
             <a:endParaRPr lang="zh-CN" altLang="en-US"/>
           </a:p>
@@ -2610,10 +2579,9 @@
           </a:lstStyle>
           <a:p>
             <a:r>
-              <a:rPr lang="zh-CN" altLang="en-US" smtClean="0"/>
+              <a:rPr lang="zh-CN" altLang="en-US"/>
               <a:t>单击此处编辑母版标题样式</a:t>
             </a:r>
-            <a:endParaRPr lang="zh-CN" altLang="en-US"/>
           </a:p>
         </p:txBody>
       </p:sp>
@@ -2737,10 +2705,9 @@
           <a:p>
             <a:pPr lvl="0"/>
             <a:r>
-              <a:rPr lang="zh-CN" altLang="en-US" smtClean="0"/>
+              <a:rPr lang="zh-CN" altLang="en-US"/>
               <a:t>单击此处编辑母版文本样式</a:t>
             </a:r>
-            <a:endParaRPr lang="zh-CN" altLang="en-US" smtClean="0"/>
           </a:p>
         </p:txBody>
       </p:sp>
@@ -2761,6 +2728,7 @@
           <a:p>
             <a:fld id="{D997B5FA-0921-464F-AAE1-844C04324D75}" type="datetimeFigureOut">
               <a:rPr lang="zh-CN" altLang="en-US" smtClean="0"/>
+              <a:t>2023/12/25</a:t>
             </a:fld>
             <a:endParaRPr lang="zh-CN" altLang="en-US"/>
           </a:p>
@@ -2802,6 +2770,7 @@
           <a:p>
             <a:fld id="{565CE74E-AB26-4998-AD42-012C4C1AD076}" type="slidenum">
               <a:rPr lang="zh-CN" altLang="en-US" smtClean="0"/>
+              <a:t>‹#›</a:t>
             </a:fld>
             <a:endParaRPr lang="zh-CN" altLang="en-US"/>
           </a:p>
@@ -2863,10 +2832,9 @@
           <a:lstStyle/>
           <a:p>
             <a:r>
-              <a:rPr lang="zh-CN" altLang="en-US" smtClean="0"/>
+              <a:rPr lang="zh-CN" altLang="en-US"/>
               <a:t>单击此处编辑母版标题样式</a:t>
             </a:r>
-            <a:endParaRPr lang="zh-CN" altLang="en-US"/>
           </a:p>
         </p:txBody>
       </p:sp>
@@ -2897,42 +2865,37 @@
           <a:p>
             <a:pPr lvl="0"/>
             <a:r>
-              <a:rPr lang="zh-CN" altLang="en-US" smtClean="0"/>
+              <a:rPr lang="zh-CN" altLang="en-US"/>
               <a:t>单击此处编辑母版文本样式</a:t>
             </a:r>
-            <a:endParaRPr lang="zh-CN" altLang="en-US" smtClean="0"/>
           </a:p>
           <a:p>
             <a:pPr lvl="1"/>
             <a:r>
-              <a:rPr lang="zh-CN" altLang="en-US" smtClean="0"/>
+              <a:rPr lang="zh-CN" altLang="en-US"/>
               <a:t>第二级</a:t>
             </a:r>
-            <a:endParaRPr lang="zh-CN" altLang="en-US" smtClean="0"/>
           </a:p>
           <a:p>
             <a:pPr lvl="2"/>
             <a:r>
-              <a:rPr lang="zh-CN" altLang="en-US" smtClean="0"/>
+              <a:rPr lang="zh-CN" altLang="en-US"/>
               <a:t>第三级</a:t>
             </a:r>
-            <a:endParaRPr lang="zh-CN" altLang="en-US" smtClean="0"/>
           </a:p>
           <a:p>
             <a:pPr lvl="3"/>
             <a:r>
-              <a:rPr lang="zh-CN" altLang="en-US" smtClean="0"/>
+              <a:rPr lang="zh-CN" altLang="en-US"/>
               <a:t>第四级</a:t>
             </a:r>
-            <a:endParaRPr lang="zh-CN" altLang="en-US" smtClean="0"/>
           </a:p>
           <a:p>
             <a:pPr lvl="4"/>
             <a:r>
-              <a:rPr lang="zh-CN" altLang="en-US" smtClean="0"/>
+              <a:rPr lang="zh-CN" altLang="en-US"/>
               <a:t>第五级</a:t>
             </a:r>
-            <a:endParaRPr lang="zh-CN" altLang="en-US"/>
           </a:p>
         </p:txBody>
       </p:sp>
@@ -2971,6 +2934,7 @@
           <a:p>
             <a:fld id="{D997B5FA-0921-464F-AAE1-844C04324D75}" type="datetimeFigureOut">
               <a:rPr lang="zh-CN" altLang="en-US" smtClean="0"/>
+              <a:t>2023/12/25</a:t>
             </a:fld>
             <a:endParaRPr lang="zh-CN" altLang="en-US"/>
           </a:p>
@@ -3048,6 +3012,7 @@
           <a:p>
             <a:fld id="{565CE74E-AB26-4998-AD42-012C4C1AD076}" type="slidenum">
               <a:rPr lang="zh-CN" altLang="en-US" smtClean="0"/>
+              <a:t>‹#›</a:t>
             </a:fld>
             <a:endParaRPr lang="zh-CN" altLang="en-US"/>
           </a:p>
@@ -3449,11 +3414,6 @@
               </a:rPr>
               <a:t>中期检查</a:t>
             </a:r>
-            <a:endParaRPr lang="zh-CN" altLang="en-US" sz="5500" b="1" dirty="0">
-              <a:solidFill>
-                <a:schemeClr val="bg1"/>
-              </a:solidFill>
-            </a:endParaRPr>
           </a:p>
         </p:txBody>
       </p:sp>
@@ -3477,13 +3437,13 @@
           <a:bodyPr wrap="none" rtlCol="0">
             <a:spAutoFit/>
           </a:bodyPr>
+          <a:lstStyle/>
           <a:p>
             <a:pPr algn="ctr"/>
             <a:r>
               <a:rPr lang="zh-CN" altLang="en-US" sz="2400"/>
               <a:t>王子豪 刘畅</a:t>
             </a:r>
-            <a:endParaRPr lang="zh-CN" altLang="en-US" sz="2400"/>
           </a:p>
           <a:p>
             <a:pPr algn="ctr"/>
@@ -3515,7 +3475,6 @@
               <a:rPr lang="zh-CN" altLang="en-US" sz="2400"/>
               <a:t>日</a:t>
             </a:r>
-            <a:endParaRPr lang="zh-CN" altLang="en-US" sz="2400"/>
           </a:p>
         </p:txBody>
       </p:sp>
@@ -3740,13 +3699,6 @@
                 </a:rPr>
                 <a:t>02</a:t>
               </a:r>
-              <a:endParaRPr lang="en-US" altLang="zh-CN" sz="6000">
-                <a:solidFill>
-                  <a:schemeClr val="bg1"/>
-                </a:solidFill>
-                <a:latin typeface="Kozuka Gothic Pr6N H" panose="020B0800000000000000" charset="-128"/>
-                <a:ea typeface="Kozuka Gothic Pr6N H" panose="020B0800000000000000" charset="-128"/>
-              </a:endParaRPr>
             </a:p>
           </p:txBody>
         </p:sp>
@@ -3930,11 +3882,6 @@
               </a:rPr>
               <a:t>总结与展望</a:t>
             </a:r>
-            <a:endParaRPr lang="zh-CN" altLang="en-US" sz="4800" dirty="0">
-              <a:solidFill>
-                <a:schemeClr val="bg1"/>
-              </a:solidFill>
-            </a:endParaRPr>
           </a:p>
         </p:txBody>
       </p:sp>
@@ -4176,14 +4123,13 @@
               <a:rPr lang="zh-CN" altLang="en-US" sz="3200" b="1" dirty="0"/>
               <a:t>总结与展望</a:t>
             </a:r>
-            <a:endParaRPr lang="zh-CN" altLang="en-US" sz="3200" b="1" dirty="0"/>
           </a:p>
         </p:txBody>
       </p:sp>
       <p:graphicFrame>
         <p:nvGraphicFramePr>
           <p:cNvPr id="14" name="对象 13">
-            <a:hlinkClick r:id="" action="ppaction://ole?verb="/>
+            <a:hlinkClick r:id="" action="ppaction://ole?verb=0"/>
           </p:cNvPr>
           <p:cNvGraphicFramePr>
             <a:graphicFrameLocks noChangeAspect="1"/>
@@ -4198,12 +4144,12 @@
           <a:graphicData uri="http://schemas.openxmlformats.org/presentationml/2006/ole">
             <mc:AlternateContent xmlns:mc="http://schemas.openxmlformats.org/markup-compatibility/2006">
               <mc:Choice xmlns:v="urn:schemas-microsoft-com:vml" Requires="v">
-                <p:oleObj spid="_x0000_s1029" name="" r:id="rId1" imgW="914400" imgH="215900" progId="Equation.KSEE3">
+                <p:oleObj r:id="rId4" imgW="914400" imgH="215900" progId="Equation.KSEE3">
                   <p:embed/>
                 </p:oleObj>
               </mc:Choice>
               <mc:Fallback>
-                <p:oleObj name="" r:id="rId1" imgW="914400" imgH="215900" progId="Equation.KSEE3">
+                <p:oleObj r:id="rId4" imgW="914400" imgH="215900" progId="Equation.KSEE3">
                   <p:embed/>
                   <p:pic>
                     <p:nvPicPr>
@@ -4212,7 +4158,7 @@
                       <p:nvPr/>
                     </p:nvPicPr>
                     <p:blipFill>
-                      <a:blip r:embed="rId2"/>
+                      <a:blip r:embed="rId5"/>
                       <a:stretch>
                         <a:fillRect/>
                       </a:stretch>
@@ -4239,7 +4185,7 @@
           <p:cNvGraphicFramePr/>
           <p:nvPr>
             <p:custDataLst>
-              <p:tags r:id="rId3"/>
+              <p:tags r:id="rId2"/>
             </p:custDataLst>
           </p:nvPr>
         </p:nvGraphicFramePr>
@@ -4254,15 +4200,40 @@
                 <a:tableStyleId>{5C22544A-7EE6-4342-B048-85BDC9FD1C3A}</a:tableStyleId>
               </a:tblPr>
               <a:tblGrid>
-                <a:gridCol w="1781175"/>
-                <a:gridCol w="1781175"/>
-                <a:gridCol w="1781175"/>
-                <a:gridCol w="1781175"/>
+                <a:gridCol w="1781175">
+                  <a:extLst>
+                    <a:ext uri="{9D8B030D-6E8A-4147-A177-3AD203B41FA5}">
+                      <a16:colId xmlns:a16="http://schemas.microsoft.com/office/drawing/2014/main" val="20000"/>
+                    </a:ext>
+                  </a:extLst>
+                </a:gridCol>
+                <a:gridCol w="1781175">
+                  <a:extLst>
+                    <a:ext uri="{9D8B030D-6E8A-4147-A177-3AD203B41FA5}">
+                      <a16:colId xmlns:a16="http://schemas.microsoft.com/office/drawing/2014/main" val="20001"/>
+                    </a:ext>
+                  </a:extLst>
+                </a:gridCol>
+                <a:gridCol w="1781175">
+                  <a:extLst>
+                    <a:ext uri="{9D8B030D-6E8A-4147-A177-3AD203B41FA5}">
+                      <a16:colId xmlns:a16="http://schemas.microsoft.com/office/drawing/2014/main" val="20002"/>
+                    </a:ext>
+                  </a:extLst>
+                </a:gridCol>
+                <a:gridCol w="1781175">
+                  <a:extLst>
+                    <a:ext uri="{9D8B030D-6E8A-4147-A177-3AD203B41FA5}">
+                      <a16:colId xmlns:a16="http://schemas.microsoft.com/office/drawing/2014/main" val="20003"/>
+                    </a:ext>
+                  </a:extLst>
+                </a:gridCol>
               </a:tblGrid>
               <a:tr h="436880">
                 <a:tc rowSpan="2">
                   <a:txBody>
                     <a:bodyPr/>
+                    <a:lstStyle/>
                     <a:p>
                       <a:pPr algn="ctr">
                         <a:buNone/>
@@ -4271,7 +4242,6 @@
                         <a:rPr lang="zh-CN" altLang="en-US"/>
                         <a:t>模型</a:t>
                       </a:r>
-                      <a:endParaRPr lang="zh-CN" altLang="en-US"/>
                     </a:p>
                   </a:txBody>
                   <a:tcPr/>
@@ -4279,6 +4249,7 @@
                 <a:tc gridSpan="2">
                   <a:txBody>
                     <a:bodyPr/>
+                    <a:lstStyle/>
                     <a:p>
                       <a:pPr algn="ctr">
                         <a:buNone/>
@@ -4287,17 +4258,24 @@
                         <a:rPr lang="zh-CN" altLang="en-US"/>
                         <a:t>小训练集</a:t>
                       </a:r>
-                      <a:endParaRPr lang="zh-CN" altLang="en-US"/>
                     </a:p>
                   </a:txBody>
                   <a:tcPr/>
                 </a:tc>
                 <a:tc hMerge="1">
+                  <a:txBody>
+                    <a:bodyPr/>
+                    <a:lstStyle/>
+                    <a:p>
+                      <a:endParaRPr lang="zh-CN"/>
+                    </a:p>
+                  </a:txBody>
                   <a:tcPr/>
                 </a:tc>
                 <a:tc>
                   <a:txBody>
                     <a:bodyPr/>
+                    <a:lstStyle/>
                     <a:p>
                       <a:pPr algn="ctr">
                         <a:buNone/>
@@ -4306,19 +4284,31 @@
                         <a:rPr lang="zh-CN" altLang="en-US"/>
                         <a:t>大训练集</a:t>
                       </a:r>
-                      <a:endParaRPr lang="zh-CN" altLang="en-US"/>
                     </a:p>
                   </a:txBody>
                   <a:tcPr/>
                 </a:tc>
+                <a:extLst>
+                  <a:ext uri="{0D108BD9-81ED-4DB2-BD59-A6C34878D82A}">
+                    <a16:rowId xmlns:a16="http://schemas.microsoft.com/office/drawing/2014/main" val="10000"/>
+                  </a:ext>
+                </a:extLst>
               </a:tr>
               <a:tr h="436880">
                 <a:tc vMerge="1">
+                  <a:txBody>
+                    <a:bodyPr/>
+                    <a:lstStyle/>
+                    <a:p>
+                      <a:endParaRPr lang="zh-CN"/>
+                    </a:p>
+                  </a:txBody>
                   <a:tcPr/>
                 </a:tc>
                 <a:tc>
                   <a:txBody>
                     <a:bodyPr/>
+                    <a:lstStyle/>
                     <a:p>
                       <a:pPr algn="ctr">
                         <a:buNone/>
@@ -4327,7 +4317,6 @@
                         <a:rPr lang="en-US" altLang="zh-CN"/>
                         <a:t>top1</a:t>
                       </a:r>
-                      <a:endParaRPr lang="en-US" altLang="zh-CN"/>
                     </a:p>
                   </a:txBody>
                   <a:tcPr/>
@@ -4335,6 +4324,7 @@
                 <a:tc>
                   <a:txBody>
                     <a:bodyPr/>
+                    <a:lstStyle/>
                     <a:p>
                       <a:pPr algn="ctr">
                         <a:buNone/>
@@ -4343,7 +4333,6 @@
                         <a:rPr lang="en-US" altLang="zh-CN"/>
                         <a:t>top5</a:t>
                       </a:r>
-                      <a:endParaRPr lang="en-US" altLang="zh-CN"/>
                     </a:p>
                   </a:txBody>
                   <a:tcPr/>
@@ -4351,6 +4340,7 @@
                 <a:tc>
                   <a:txBody>
                     <a:bodyPr/>
+                    <a:lstStyle/>
                     <a:p>
                       <a:pPr algn="ctr">
                         <a:buNone/>
@@ -4359,16 +4349,21 @@
                         <a:rPr lang="en-US" altLang="zh-CN"/>
                         <a:t>top1</a:t>
                       </a:r>
-                      <a:endParaRPr lang="en-US" altLang="zh-CN"/>
                     </a:p>
                   </a:txBody>
                   <a:tcPr/>
                 </a:tc>
+                <a:extLst>
+                  <a:ext uri="{0D108BD9-81ED-4DB2-BD59-A6C34878D82A}">
+                    <a16:rowId xmlns:a16="http://schemas.microsoft.com/office/drawing/2014/main" val="10001"/>
+                  </a:ext>
+                </a:extLst>
               </a:tr>
               <a:tr h="436880">
                 <a:tc>
                   <a:txBody>
                     <a:bodyPr/>
+                    <a:lstStyle/>
                     <a:p>
                       <a:pPr algn="ctr">
                         <a:buNone/>
@@ -4377,7 +4372,6 @@
                         <a:rPr lang="zh-CN" altLang="en-US"/>
                         <a:t>高斯分布</a:t>
                       </a:r>
-                      <a:endParaRPr lang="zh-CN" altLang="en-US"/>
                     </a:p>
                   </a:txBody>
                   <a:tcPr/>
@@ -4385,6 +4379,7 @@
                 <a:tc>
                   <a:txBody>
                     <a:bodyPr/>
+                    <a:lstStyle/>
                     <a:p>
                       <a:pPr algn="ctr">
                         <a:buNone/>
@@ -4393,7 +4388,6 @@
                         <a:rPr lang="en-US" altLang="zh-CN"/>
                         <a:t>82.45%</a:t>
                       </a:r>
-                      <a:endParaRPr lang="en-US" altLang="zh-CN"/>
                     </a:p>
                   </a:txBody>
                   <a:tcPr/>
@@ -4401,6 +4395,7 @@
                 <a:tc>
                   <a:txBody>
                     <a:bodyPr/>
+                    <a:lstStyle/>
                     <a:p>
                       <a:pPr algn="ctr">
                         <a:buNone/>
@@ -4409,7 +4404,6 @@
                         <a:rPr lang="en-US" altLang="zh-CN"/>
                         <a:t>91.39%</a:t>
                       </a:r>
-                      <a:endParaRPr lang="en-US" altLang="zh-CN"/>
                     </a:p>
                   </a:txBody>
                   <a:tcPr/>
@@ -4417,6 +4411,7 @@
                 <a:tc>
                   <a:txBody>
                     <a:bodyPr/>
+                    <a:lstStyle/>
                     <a:p>
                       <a:pPr algn="ctr">
                         <a:buNone/>
@@ -4425,16 +4420,21 @@
                         <a:rPr lang="en-US" altLang="zh-CN"/>
                         <a:t>95.4%</a:t>
                       </a:r>
-                      <a:endParaRPr lang="en-US" altLang="zh-CN"/>
                     </a:p>
                   </a:txBody>
                   <a:tcPr/>
                 </a:tc>
+                <a:extLst>
+                  <a:ext uri="{0D108BD9-81ED-4DB2-BD59-A6C34878D82A}">
+                    <a16:rowId xmlns:a16="http://schemas.microsoft.com/office/drawing/2014/main" val="10002"/>
+                  </a:ext>
+                </a:extLst>
               </a:tr>
               <a:tr h="436880">
                 <a:tc>
                   <a:txBody>
                     <a:bodyPr/>
+                    <a:lstStyle/>
                     <a:p>
                       <a:pPr algn="ctr">
                         <a:buNone/>
@@ -4443,7 +4443,6 @@
                         <a:rPr lang="zh-CN" altLang="en-US"/>
                         <a:t>感知准则</a:t>
                       </a:r>
-                      <a:endParaRPr lang="zh-CN" altLang="en-US"/>
                     </a:p>
                   </a:txBody>
                   <a:tcPr/>
@@ -4451,6 +4450,7 @@
                 <a:tc>
                   <a:txBody>
                     <a:bodyPr/>
+                    <a:lstStyle/>
                     <a:p>
                       <a:pPr algn="ctr">
                         <a:buNone/>
@@ -4459,7 +4459,6 @@
                         <a:rPr lang="en-US" altLang="zh-CN"/>
                         <a:t>39.40%</a:t>
                       </a:r>
-                      <a:endParaRPr lang="en-US" altLang="zh-CN"/>
                     </a:p>
                   </a:txBody>
                   <a:tcPr/>
@@ -4467,6 +4466,7 @@
                 <a:tc>
                   <a:txBody>
                     <a:bodyPr/>
+                    <a:lstStyle/>
                     <a:p>
                       <a:pPr algn="ctr">
                         <a:buNone/>
@@ -4475,7 +4475,6 @@
                         <a:rPr lang="en-US" altLang="zh-CN"/>
                         <a:t>61.59%</a:t>
                       </a:r>
-                      <a:endParaRPr lang="en-US" altLang="zh-CN"/>
                     </a:p>
                   </a:txBody>
                   <a:tcPr/>
@@ -4483,6 +4482,7 @@
                 <a:tc>
                   <a:txBody>
                     <a:bodyPr/>
+                    <a:lstStyle/>
                     <a:p>
                       <a:pPr algn="ctr">
                         <a:buNone/>
@@ -4491,16 +4491,21 @@
                         <a:rPr lang="en-US" altLang="zh-CN"/>
                         <a:t>91.7%</a:t>
                       </a:r>
-                      <a:endParaRPr lang="en-US" altLang="zh-CN"/>
                     </a:p>
                   </a:txBody>
                   <a:tcPr/>
                 </a:tc>
+                <a:extLst>
+                  <a:ext uri="{0D108BD9-81ED-4DB2-BD59-A6C34878D82A}">
+                    <a16:rowId xmlns:a16="http://schemas.microsoft.com/office/drawing/2014/main" val="10003"/>
+                  </a:ext>
+                </a:extLst>
               </a:tr>
               <a:tr h="436880">
                 <a:tc>
                   <a:txBody>
                     <a:bodyPr/>
+                    <a:lstStyle/>
                     <a:p>
                       <a:pPr algn="ctr">
                         <a:buNone/>
@@ -4509,7 +4514,6 @@
                         <a:rPr lang="en-US" altLang="zh-CN"/>
                         <a:t>CNN</a:t>
                       </a:r>
-                      <a:endParaRPr lang="en-US" altLang="zh-CN"/>
                     </a:p>
                   </a:txBody>
                   <a:tcPr/>
@@ -4517,6 +4521,7 @@
                 <a:tc>
                   <a:txBody>
                     <a:bodyPr/>
+                    <a:lstStyle/>
                     <a:p>
                       <a:pPr algn="ctr">
                         <a:buNone/>
@@ -4525,7 +4530,6 @@
                         <a:rPr lang="en-US" altLang="zh-CN"/>
                         <a:t>54.51%</a:t>
                       </a:r>
-                      <a:endParaRPr lang="en-US" altLang="zh-CN"/>
                     </a:p>
                   </a:txBody>
                   <a:tcPr/>
@@ -4533,6 +4537,7 @@
                 <a:tc>
                   <a:txBody>
                     <a:bodyPr/>
+                    <a:lstStyle/>
                     <a:p>
                       <a:pPr algn="ctr">
                         <a:buNone/>
@@ -4541,7 +4546,6 @@
                         <a:rPr lang="en-US" altLang="zh-CN"/>
                         <a:t>74.46%</a:t>
                       </a:r>
-                      <a:endParaRPr lang="en-US" altLang="zh-CN"/>
                     </a:p>
                   </a:txBody>
                   <a:tcPr/>
@@ -4549,6 +4553,7 @@
                 <a:tc>
                   <a:txBody>
                     <a:bodyPr/>
+                    <a:lstStyle/>
                     <a:p>
                       <a:pPr algn="ctr">
                         <a:buNone/>
@@ -4557,16 +4562,21 @@
                         <a:rPr lang="en-US" altLang="zh-CN"/>
                         <a:t>95.55%</a:t>
                       </a:r>
-                      <a:endParaRPr lang="en-US" altLang="zh-CN"/>
                     </a:p>
                   </a:txBody>
                   <a:tcPr/>
                 </a:tc>
+                <a:extLst>
+                  <a:ext uri="{0D108BD9-81ED-4DB2-BD59-A6C34878D82A}">
+                    <a16:rowId xmlns:a16="http://schemas.microsoft.com/office/drawing/2014/main" val="10004"/>
+                  </a:ext>
+                </a:extLst>
               </a:tr>
               <a:tr h="436880">
                 <a:tc>
                   <a:txBody>
                     <a:bodyPr/>
+                    <a:lstStyle/>
                     <a:p>
                       <a:pPr algn="ctr">
                         <a:buNone/>
@@ -4575,7 +4585,6 @@
                         <a:rPr lang="en-US" altLang="zh-CN"/>
                         <a:t>ResNet50</a:t>
                       </a:r>
-                      <a:endParaRPr lang="en-US" altLang="zh-CN"/>
                     </a:p>
                   </a:txBody>
                   <a:tcPr/>
@@ -4583,6 +4592,7 @@
                 <a:tc>
                   <a:txBody>
                     <a:bodyPr/>
+                    <a:lstStyle/>
                     <a:p>
                       <a:pPr algn="ctr">
                         <a:buNone/>
@@ -4591,7 +4601,6 @@
                         <a:rPr lang="en-US" altLang="zh-CN"/>
                         <a:t>12.90%</a:t>
                       </a:r>
-                      <a:endParaRPr lang="en-US" altLang="zh-CN"/>
                     </a:p>
                   </a:txBody>
                   <a:tcPr/>
@@ -4599,6 +4608,7 @@
                 <a:tc>
                   <a:txBody>
                     <a:bodyPr/>
+                    <a:lstStyle/>
                     <a:p>
                       <a:pPr algn="ctr">
                         <a:buNone/>
@@ -4607,7 +4617,6 @@
                         <a:rPr lang="en-US" altLang="zh-CN"/>
                         <a:t>21.34%</a:t>
                       </a:r>
-                      <a:endParaRPr lang="en-US" altLang="zh-CN"/>
                     </a:p>
                   </a:txBody>
                   <a:tcPr/>
@@ -4615,6 +4624,7 @@
                 <a:tc>
                   <a:txBody>
                     <a:bodyPr/>
+                    <a:lstStyle/>
                     <a:p>
                       <a:pPr algn="ctr">
                         <a:buNone/>
@@ -4623,11 +4633,15 @@
                         <a:rPr lang="en-US" altLang="zh-CN"/>
                         <a:t>97.10%</a:t>
                       </a:r>
-                      <a:endParaRPr lang="en-US" altLang="zh-CN"/>
                     </a:p>
                   </a:txBody>
                   <a:tcPr/>
                 </a:tc>
+                <a:extLst>
+                  <a:ext uri="{0D108BD9-81ED-4DB2-BD59-A6C34878D82A}">
+                    <a16:rowId xmlns:a16="http://schemas.microsoft.com/office/drawing/2014/main" val="10005"/>
+                  </a:ext>
+                </a:extLst>
               </a:tr>
             </a:tbl>
           </a:graphicData>
@@ -4797,7 +4811,6 @@
               <a:rPr lang="zh-CN" altLang="en-US" sz="2400"/>
               <a:t>总结</a:t>
             </a:r>
-            <a:endParaRPr lang="zh-CN" altLang="en-US" sz="2400"/>
           </a:p>
           <a:p>
             <a:pPr lvl="1"/>
@@ -4807,9 +4820,6 @@
               </a:rPr>
               <a:t>大训练集下普遍正确率高，高斯分布与深度学习效果相当</a:t>
             </a:r>
-            <a:endParaRPr lang="zh-CN" altLang="en-US" sz="2400">
-              <a:sym typeface="+mn-ea"/>
-            </a:endParaRPr>
           </a:p>
           <a:p>
             <a:pPr lvl="1"/>
@@ -4819,9 +4829,6 @@
               </a:rPr>
               <a:t>小训练集下高斯分布效果受影响较小，依然有较好分类效果</a:t>
             </a:r>
-            <a:endParaRPr lang="zh-CN" altLang="en-US" sz="2400">
-              <a:sym typeface="+mn-ea"/>
-            </a:endParaRPr>
           </a:p>
           <a:p>
             <a:pPr lvl="1"/>
@@ -4831,9 +4838,6 @@
               </a:rPr>
               <a:t>感知准则和深度学习方法受训练集大小影响明显</a:t>
             </a:r>
-            <a:endParaRPr lang="zh-CN" altLang="en-US" sz="2400">
-              <a:sym typeface="+mn-ea"/>
-            </a:endParaRPr>
           </a:p>
           <a:p>
             <a:pPr lvl="1"/>
@@ -4855,9 +4859,6 @@
               </a:rPr>
               <a:t>）在训练集变小之后效果极其受限</a:t>
             </a:r>
-            <a:endParaRPr lang="zh-CN" altLang="en-US" sz="2400">
-              <a:sym typeface="+mn-ea"/>
-            </a:endParaRPr>
           </a:p>
           <a:p>
             <a:pPr marL="0" lvl="0" indent="0">
@@ -4877,20 +4878,13 @@
       </p:sp>
     </p:spTree>
     <p:custDataLst>
-      <p:tags r:id="rId4"/>
+      <p:tags r:id="rId1"/>
     </p:custDataLst>
   </p:cSld>
   <p:clrMapOvr>
     <a:masterClrMapping/>
   </p:clrMapOvr>
   <p:transition spd="slow"/>
-  <p:timing>
-    <p:tnLst>
-      <p:par>
-        <p:cTn id="1" dur="indefinite" restart="never" nodeType="tmRoot"/>
-      </p:par>
-    </p:tnLst>
-  </p:timing>
 </p:sld>
 </file>
 
@@ -5123,14 +5117,13 @@
               <a:rPr lang="zh-CN" altLang="en-US" sz="3200" b="1" dirty="0"/>
               <a:t>总结与展望</a:t>
             </a:r>
-            <a:endParaRPr lang="zh-CN" altLang="en-US" sz="3200" b="1" dirty="0"/>
           </a:p>
         </p:txBody>
       </p:sp>
       <p:graphicFrame>
         <p:nvGraphicFramePr>
           <p:cNvPr id="14" name="对象 13">
-            <a:hlinkClick r:id="" action="ppaction://ole?verb="/>
+            <a:hlinkClick r:id="" action="ppaction://ole?verb=0"/>
           </p:cNvPr>
           <p:cNvGraphicFramePr>
             <a:graphicFrameLocks noChangeAspect="1"/>
@@ -5145,12 +5138,12 @@
           <a:graphicData uri="http://schemas.openxmlformats.org/presentationml/2006/ole">
             <mc:AlternateContent xmlns:mc="http://schemas.openxmlformats.org/markup-compatibility/2006">
               <mc:Choice xmlns:v="urn:schemas-microsoft-com:vml" Requires="v">
-                <p:oleObj spid="_x0000_s1029" name="" r:id="rId1" imgW="914400" imgH="215900" progId="Equation.KSEE3">
+                <p:oleObj r:id="rId3" imgW="914400" imgH="215900" progId="Equation.KSEE3">
                   <p:embed/>
                 </p:oleObj>
               </mc:Choice>
               <mc:Fallback>
-                <p:oleObj name="" r:id="rId1" imgW="914400" imgH="215900" progId="Equation.KSEE3">
+                <p:oleObj r:id="rId3" imgW="914400" imgH="215900" progId="Equation.KSEE3">
                   <p:embed/>
                   <p:pic>
                     <p:nvPicPr>
@@ -5159,7 +5152,7 @@
                       <p:nvPr/>
                     </p:nvPicPr>
                     <p:blipFill>
-                      <a:blip r:embed="rId2"/>
+                      <a:blip r:embed="rId4"/>
                       <a:stretch>
                         <a:fillRect/>
                       </a:stretch>
@@ -5344,7 +5337,6 @@
               <a:rPr lang="zh-CN" altLang="en-US" sz="2400"/>
               <a:t>总结</a:t>
             </a:r>
-            <a:endParaRPr lang="zh-CN" altLang="en-US" sz="2400"/>
           </a:p>
           <a:p>
             <a:pPr lvl="1"/>
@@ -5354,9 +5346,6 @@
               </a:rPr>
               <a:t>大训练集下普遍正确率高，高斯分布与深度学习效果相当</a:t>
             </a:r>
-            <a:endParaRPr lang="zh-CN" altLang="en-US" sz="2400">
-              <a:sym typeface="+mn-ea"/>
-            </a:endParaRPr>
           </a:p>
           <a:p>
             <a:pPr lvl="1"/>
@@ -5364,17 +5353,8 @@
               <a:rPr lang="zh-CN" altLang="en-US" sz="2400">
                 <a:sym typeface="+mn-ea"/>
               </a:rPr>
-              <a:t>小</a:t>
-            </a:r>
-            <a:r>
-              <a:rPr lang="zh-CN" altLang="en-US" sz="2400">
-                <a:sym typeface="+mn-ea"/>
-              </a:rPr>
-              <a:t>训练集下高斯分布效果受影响较小，依然有较好分类效果</a:t>
-            </a:r>
-            <a:endParaRPr lang="zh-CN" altLang="en-US" sz="2400">
-              <a:sym typeface="+mn-ea"/>
-            </a:endParaRPr>
+              <a:t>小训练集下高斯分布效果受影响较小，依然有较好分类效果</a:t>
+            </a:r>
           </a:p>
           <a:p>
             <a:pPr lvl="1"/>
@@ -5384,9 +5364,6 @@
               </a:rPr>
               <a:t>感知准则和深度学习方法受训练集大小影响明显</a:t>
             </a:r>
-            <a:endParaRPr lang="zh-CN" altLang="en-US" sz="2400">
-              <a:sym typeface="+mn-ea"/>
-            </a:endParaRPr>
           </a:p>
           <a:p>
             <a:pPr lvl="1"/>
@@ -5421,7 +5398,6 @@
               <a:rPr lang="zh-CN" altLang="en-US" sz="2400"/>
               <a:t>分析</a:t>
             </a:r>
-            <a:endParaRPr lang="zh-CN" altLang="en-US" sz="2400"/>
           </a:p>
           <a:p>
             <a:pPr lvl="1" algn="l">
@@ -5433,7 +5409,6 @@
               <a:rPr lang="zh-CN" altLang="en-US" sz="2400"/>
               <a:t>数据集有比较强的特征，基本符合高斯分布</a:t>
             </a:r>
-            <a:endParaRPr lang="zh-CN" altLang="en-US" sz="2400"/>
           </a:p>
           <a:p>
             <a:pPr lvl="1" algn="l">
@@ -5445,7 +5420,6 @@
               <a:rPr lang="zh-CN" altLang="en-US" sz="2400"/>
               <a:t>大数据下CNN可能发生退化（由于数据简单）</a:t>
             </a:r>
-            <a:endParaRPr lang="zh-CN" altLang="en-US" sz="2400"/>
           </a:p>
           <a:p>
             <a:pPr lvl="1" algn="l">
@@ -5457,7 +5431,6 @@
               <a:rPr lang="zh-CN" altLang="en-US" sz="2400"/>
               <a:t>小训练数据下模型依赖更强的先验条件</a:t>
             </a:r>
-            <a:endParaRPr lang="zh-CN" altLang="en-US" sz="2400"/>
           </a:p>
           <a:p>
             <a:pPr lvl="1" algn="l">
@@ -5469,26 +5442,18 @@
               <a:rPr lang="zh-CN" altLang="en-US" sz="2400"/>
               <a:t>可能由于小训练数据过于容易被正确分类，导致感知准则和深度方法泛化性差</a:t>
             </a:r>
-            <a:endParaRPr lang="zh-CN" altLang="en-US" sz="2400"/>
           </a:p>
         </p:txBody>
       </p:sp>
     </p:spTree>
     <p:custDataLst>
-      <p:tags r:id="rId3"/>
+      <p:tags r:id="rId1"/>
     </p:custDataLst>
   </p:cSld>
   <p:clrMapOvr>
     <a:masterClrMapping/>
   </p:clrMapOvr>
   <p:transition spd="slow"/>
-  <p:timing>
-    <p:tnLst>
-      <p:par>
-        <p:cTn id="1" dur="indefinite" restart="never" nodeType="tmRoot"/>
-      </p:par>
-    </p:tnLst>
-  </p:timing>
 </p:sld>
 </file>
 
@@ -5721,14 +5686,13 @@
               <a:rPr lang="zh-CN" altLang="en-US" sz="3200" b="1" dirty="0"/>
               <a:t>总结与展望</a:t>
             </a:r>
-            <a:endParaRPr lang="zh-CN" altLang="en-US" sz="3200" b="1" dirty="0"/>
           </a:p>
         </p:txBody>
       </p:sp>
       <p:graphicFrame>
         <p:nvGraphicFramePr>
           <p:cNvPr id="14" name="对象 13">
-            <a:hlinkClick r:id="" action="ppaction://ole?verb="/>
+            <a:hlinkClick r:id="" action="ppaction://ole?verb=0"/>
           </p:cNvPr>
           <p:cNvGraphicFramePr>
             <a:graphicFrameLocks noChangeAspect="1"/>
@@ -5743,12 +5707,12 @@
           <a:graphicData uri="http://schemas.openxmlformats.org/presentationml/2006/ole">
             <mc:AlternateContent xmlns:mc="http://schemas.openxmlformats.org/markup-compatibility/2006">
               <mc:Choice xmlns:v="urn:schemas-microsoft-com:vml" Requires="v">
-                <p:oleObj spid="_x0000_s1029" name="" r:id="rId1" imgW="914400" imgH="215900" progId="Equation.KSEE3">
+                <p:oleObj r:id="rId3" imgW="914400" imgH="215900" progId="Equation.KSEE3">
                   <p:embed/>
                 </p:oleObj>
               </mc:Choice>
               <mc:Fallback>
-                <p:oleObj name="" r:id="rId1" imgW="914400" imgH="215900" progId="Equation.KSEE3">
+                <p:oleObj r:id="rId3" imgW="914400" imgH="215900" progId="Equation.KSEE3">
                   <p:embed/>
                   <p:pic>
                     <p:nvPicPr>
@@ -5757,7 +5721,7 @@
                       <p:nvPr/>
                     </p:nvPicPr>
                     <p:blipFill>
-                      <a:blip r:embed="rId2"/>
+                      <a:blip r:embed="rId4"/>
                       <a:stretch>
                         <a:fillRect/>
                       </a:stretch>
@@ -5942,7 +5906,6 @@
               <a:rPr lang="zh-CN" altLang="en-US" sz="2400"/>
               <a:t>问题</a:t>
             </a:r>
-            <a:endParaRPr lang="zh-CN" altLang="en-US" sz="2400"/>
           </a:p>
           <a:p>
             <a:pPr lvl="1"/>
@@ -5952,9 +5915,6 @@
               </a:rPr>
               <a:t>小训练集下学习方法在正确拟合训练集之后难以优化</a:t>
             </a:r>
-            <a:endParaRPr lang="zh-CN" altLang="en-US" sz="2400">
-              <a:sym typeface="+mn-ea"/>
-            </a:endParaRPr>
           </a:p>
           <a:p>
             <a:pPr lvl="0" algn="l">
@@ -5965,7 +5925,6 @@
               <a:rPr lang="zh-CN" altLang="en-US" sz="2400"/>
               <a:t>方法</a:t>
             </a:r>
-            <a:endParaRPr lang="zh-CN" altLang="en-US" sz="2400"/>
           </a:p>
           <a:p>
             <a:pPr lvl="1" algn="l">
@@ -5977,7 +5936,6 @@
               <a:rPr lang="zh-CN" altLang="en-US" sz="2400"/>
               <a:t>数据增强</a:t>
             </a:r>
-            <a:endParaRPr lang="zh-CN" altLang="en-US" sz="2400"/>
           </a:p>
           <a:p>
             <a:pPr lvl="1" algn="l">
@@ -5989,7 +5947,6 @@
               <a:rPr lang="zh-CN" altLang="en-US" sz="2400"/>
               <a:t>学习过程优化（不满足于仅仅将训练集正确分类）</a:t>
             </a:r>
-            <a:endParaRPr lang="zh-CN" altLang="en-US" sz="2400"/>
           </a:p>
         </p:txBody>
       </p:sp>
@@ -6036,6 +5993,7 @@
         </p:style>
         <p:txBody>
           <a:bodyPr rtlCol="0" anchor="ctr"/>
+          <a:lstStyle/>
           <a:p>
             <a:pPr algn="ctr"/>
             <a:r>
@@ -6046,11 +6004,6 @@
               </a:rPr>
               <a:t>SVM</a:t>
             </a:r>
-            <a:endParaRPr lang="en-US" altLang="zh-CN" sz="2400" b="1" dirty="0">
-              <a:solidFill>
-                <a:schemeClr val="bg1"/>
-              </a:solidFill>
-            </a:endParaRPr>
           </a:p>
         </p:txBody>
       </p:sp>
@@ -6098,6 +6051,7 @@
         </p:style>
         <p:txBody>
           <a:bodyPr rtlCol="0" anchor="ctr"/>
+          <a:lstStyle/>
           <a:p>
             <a:pPr algn="ctr"/>
             <a:endParaRPr lang="zh-CN" altLang="en-US" sz="2400" b="1" dirty="0">
@@ -6162,11 +6116,6 @@
               </a:rPr>
               <a:t>对比学习</a:t>
             </a:r>
-            <a:endParaRPr lang="zh-CN" altLang="en-US" sz="2400" b="1" dirty="0">
-              <a:solidFill>
-                <a:schemeClr val="bg1"/>
-              </a:solidFill>
-            </a:endParaRPr>
           </a:p>
         </p:txBody>
       </p:sp>
@@ -6279,11 +6228,6 @@
               </a:rPr>
               <a:t>数据扩增</a:t>
             </a:r>
-            <a:endParaRPr lang="zh-CN" altLang="en-US" sz="2400" b="1" dirty="0">
-              <a:solidFill>
-                <a:schemeClr val="bg1"/>
-              </a:solidFill>
-            </a:endParaRPr>
           </a:p>
         </p:txBody>
       </p:sp>
@@ -6344,7 +6288,7 @@
       </p:sp>
     </p:spTree>
     <p:custDataLst>
-      <p:tags r:id="rId3"/>
+      <p:tags r:id="rId1"/>
     </p:custDataLst>
   </p:cSld>
   <p:clrMapOvr>
@@ -6801,14 +6745,13 @@
               <a:rPr lang="zh-CN" altLang="en-US" sz="3200" b="1" dirty="0"/>
               <a:t>总结与展望</a:t>
             </a:r>
-            <a:endParaRPr lang="zh-CN" altLang="en-US" sz="3200" b="1" dirty="0"/>
           </a:p>
         </p:txBody>
       </p:sp>
       <p:graphicFrame>
         <p:nvGraphicFramePr>
           <p:cNvPr id="14" name="对象 13">
-            <a:hlinkClick r:id="" action="ppaction://ole?verb="/>
+            <a:hlinkClick r:id="" action="ppaction://ole?verb=0"/>
           </p:cNvPr>
           <p:cNvGraphicFramePr>
             <a:graphicFrameLocks noChangeAspect="1"/>
@@ -6823,12 +6766,12 @@
           <a:graphicData uri="http://schemas.openxmlformats.org/presentationml/2006/ole">
             <mc:AlternateContent xmlns:mc="http://schemas.openxmlformats.org/markup-compatibility/2006">
               <mc:Choice xmlns:v="urn:schemas-microsoft-com:vml" Requires="v">
-                <p:oleObj spid="_x0000_s1029" name="" r:id="rId1" imgW="914400" imgH="215900" progId="Equation.KSEE3">
+                <p:oleObj r:id="rId3" imgW="914400" imgH="215900" progId="Equation.KSEE3">
                   <p:embed/>
                 </p:oleObj>
               </mc:Choice>
               <mc:Fallback>
-                <p:oleObj name="" r:id="rId1" imgW="914400" imgH="215900" progId="Equation.KSEE3">
+                <p:oleObj r:id="rId3" imgW="914400" imgH="215900" progId="Equation.KSEE3">
                   <p:embed/>
                   <p:pic>
                     <p:nvPicPr>
@@ -6837,7 +6780,7 @@
                       <p:nvPr/>
                     </p:nvPicPr>
                     <p:blipFill>
-                      <a:blip r:embed="rId2"/>
+                      <a:blip r:embed="rId4"/>
                       <a:stretch>
                         <a:fillRect/>
                       </a:stretch>
@@ -7025,7 +6968,6 @@
               <a:rPr lang="zh-CN" altLang="en-US" sz="2400"/>
               <a:t>数据扩增</a:t>
             </a:r>
-            <a:endParaRPr lang="zh-CN" altLang="en-US" sz="2400"/>
           </a:p>
           <a:p>
             <a:pPr lvl="1" algn="l">
@@ -7039,9 +6981,6 @@
               </a:rPr>
               <a:t>随机旋转/翻转</a:t>
             </a:r>
-            <a:endParaRPr lang="zh-CN" altLang="en-US" sz="2400">
-              <a:sym typeface="+mn-ea"/>
-            </a:endParaRPr>
           </a:p>
           <a:p>
             <a:pPr lvl="1" algn="l">
@@ -7055,9 +6994,6 @@
               </a:rPr>
               <a:t>训练集添加随机噪声</a:t>
             </a:r>
-            <a:endParaRPr lang="zh-CN" altLang="en-US" sz="2400">
-              <a:sym typeface="+mn-ea"/>
-            </a:endParaRPr>
           </a:p>
           <a:p>
             <a:pPr lvl="0" algn="l">
@@ -7082,9 +7018,6 @@
               </a:rPr>
               <a:t>优化扩大数据点和决策边界的距离</a:t>
             </a:r>
-            <a:endParaRPr lang="zh-CN" altLang="en-US" sz="2400">
-              <a:sym typeface="+mn-ea"/>
-            </a:endParaRPr>
           </a:p>
           <a:p>
             <a:pPr lvl="1" algn="l">
@@ -7098,9 +7031,6 @@
               </a:rPr>
               <a:t>线性可分条件下在正确拟合训练集后保持优化</a:t>
             </a:r>
-            <a:endParaRPr lang="zh-CN" altLang="en-US" sz="2400">
-              <a:sym typeface="+mn-ea"/>
-            </a:endParaRPr>
           </a:p>
           <a:p>
             <a:pPr lvl="1" algn="l">
@@ -7131,7 +7061,6 @@
               <a:rPr lang="zh-CN" altLang="en-US" sz="2400"/>
               <a:t>对比学习</a:t>
             </a:r>
-            <a:endParaRPr lang="zh-CN" altLang="en-US" sz="2400"/>
           </a:p>
           <a:p>
             <a:pPr lvl="1" algn="l">
@@ -7143,7 +7072,6 @@
               <a:rPr lang="zh-CN" altLang="en-US" sz="2400"/>
               <a:t>学习以使得不同图片的特征差异增大，而同一图片的不同表示特征差异减小</a:t>
             </a:r>
-            <a:endParaRPr lang="zh-CN" altLang="en-US" sz="2400"/>
           </a:p>
           <a:p>
             <a:pPr lvl="1" algn="l">
@@ -7155,7 +7083,6 @@
               <a:rPr lang="zh-CN" altLang="en-US" sz="2400"/>
               <a:t>InfoNCE Loss </a:t>
             </a:r>
-            <a:endParaRPr lang="zh-CN" altLang="en-US" sz="2400"/>
           </a:p>
           <a:p>
             <a:pPr lvl="1" algn="l">
@@ -7175,7 +7102,6 @@
               <a:rPr lang="zh-CN" altLang="en-US" sz="2400"/>
               <a:t>最后使用有监督的finetune</a:t>
             </a:r>
-            <a:endParaRPr lang="zh-CN" altLang="en-US" sz="2400"/>
           </a:p>
           <a:p>
             <a:pPr lvl="1" algn="l">
@@ -7196,7 +7122,7 @@
           <p:nvPr/>
         </p:nvPicPr>
         <p:blipFill>
-          <a:blip r:embed="rId3"/>
+          <a:blip r:embed="rId5"/>
           <a:srcRect t="6857"/>
           <a:stretch>
             <a:fillRect/>
@@ -7245,6 +7171,7 @@
         </p:style>
         <p:txBody>
           <a:bodyPr rtlCol="0" anchor="ctr"/>
+          <a:lstStyle/>
           <a:p>
             <a:pPr algn="ctr"/>
             <a:endParaRPr lang="zh-CN" altLang="en-US"/>
@@ -7284,6 +7211,7 @@
         </p:style>
         <p:txBody>
           <a:bodyPr rtlCol="0" anchor="ctr"/>
+          <a:lstStyle/>
           <a:p>
             <a:pPr algn="ctr"/>
             <a:endParaRPr lang="zh-CN" altLang="en-US"/>
@@ -7323,6 +7251,7 @@
         </p:style>
         <p:txBody>
           <a:bodyPr rtlCol="0" anchor="ctr"/>
+          <a:lstStyle/>
           <a:p>
             <a:pPr algn="ctr"/>
             <a:endParaRPr lang="zh-CN" altLang="en-US"/>
@@ -7362,6 +7291,7 @@
         </p:style>
         <p:txBody>
           <a:bodyPr rtlCol="0" anchor="ctr"/>
+          <a:lstStyle/>
           <a:p>
             <a:pPr algn="ctr"/>
             <a:endParaRPr lang="zh-CN" altLang="en-US"/>
@@ -7401,6 +7331,7 @@
         </p:style>
         <p:txBody>
           <a:bodyPr rtlCol="0" anchor="ctr"/>
+          <a:lstStyle/>
           <a:p>
             <a:pPr algn="ctr"/>
             <a:endParaRPr lang="zh-CN" altLang="en-US"/>
@@ -7440,6 +7371,7 @@
         </p:style>
         <p:txBody>
           <a:bodyPr rtlCol="0" anchor="ctr"/>
+          <a:lstStyle/>
           <a:p>
             <a:pPr algn="ctr"/>
             <a:endParaRPr lang="zh-CN" altLang="en-US"/>
@@ -7479,6 +7411,7 @@
         </p:style>
         <p:txBody>
           <a:bodyPr rtlCol="0" anchor="ctr"/>
+          <a:lstStyle/>
           <a:p>
             <a:pPr algn="ctr"/>
             <a:endParaRPr lang="zh-CN" altLang="en-US"/>
@@ -7518,6 +7451,7 @@
         </p:style>
         <p:txBody>
           <a:bodyPr rtlCol="0" anchor="ctr"/>
+          <a:lstStyle/>
           <a:p>
             <a:pPr algn="ctr"/>
             <a:endParaRPr lang="zh-CN" altLang="en-US"/>
@@ -7557,6 +7491,7 @@
         </p:style>
         <p:txBody>
           <a:bodyPr rtlCol="0" anchor="ctr"/>
+          <a:lstStyle/>
           <a:p>
             <a:pPr algn="ctr"/>
             <a:endParaRPr lang="zh-CN" altLang="en-US"/>
@@ -7596,6 +7531,7 @@
         </p:style>
         <p:txBody>
           <a:bodyPr rtlCol="0" anchor="ctr"/>
+          <a:lstStyle/>
           <a:p>
             <a:pPr algn="ctr"/>
             <a:endParaRPr lang="zh-CN" altLang="en-US"/>
@@ -7635,6 +7571,7 @@
         </p:style>
         <p:txBody>
           <a:bodyPr rtlCol="0" anchor="ctr"/>
+          <a:lstStyle/>
           <a:p>
             <a:pPr algn="ctr"/>
             <a:endParaRPr lang="zh-CN" altLang="en-US"/>
@@ -7674,6 +7611,7 @@
         </p:style>
         <p:txBody>
           <a:bodyPr rtlCol="0" anchor="ctr"/>
+          <a:lstStyle/>
           <a:p>
             <a:pPr algn="ctr"/>
             <a:endParaRPr lang="zh-CN" altLang="en-US"/>
@@ -7713,6 +7651,7 @@
         </p:style>
         <p:txBody>
           <a:bodyPr rtlCol="0" anchor="ctr"/>
+          <a:lstStyle/>
           <a:p>
             <a:pPr algn="ctr"/>
             <a:endParaRPr lang="zh-CN" altLang="en-US"/>
@@ -7752,6 +7691,7 @@
         </p:style>
         <p:txBody>
           <a:bodyPr rtlCol="0" anchor="ctr"/>
+          <a:lstStyle/>
           <a:p>
             <a:pPr algn="ctr"/>
             <a:endParaRPr lang="zh-CN" altLang="en-US"/>
@@ -7791,6 +7731,7 @@
         </p:style>
         <p:txBody>
           <a:bodyPr rtlCol="0" anchor="ctr"/>
+          <a:lstStyle/>
           <a:p>
             <a:pPr algn="ctr"/>
             <a:endParaRPr lang="zh-CN" altLang="en-US"/>
@@ -7830,6 +7771,7 @@
         </p:style>
         <p:txBody>
           <a:bodyPr rtlCol="0" anchor="ctr"/>
+          <a:lstStyle/>
           <a:p>
             <a:pPr algn="ctr"/>
             <a:endParaRPr lang="zh-CN" altLang="en-US"/>
@@ -7869,6 +7811,7 @@
         </p:style>
         <p:txBody>
           <a:bodyPr rtlCol="0" anchor="ctr"/>
+          <a:lstStyle/>
           <a:p>
             <a:pPr algn="ctr"/>
             <a:endParaRPr lang="zh-CN" altLang="en-US"/>
@@ -7908,6 +7851,7 @@
         </p:style>
         <p:txBody>
           <a:bodyPr rtlCol="0" anchor="ctr"/>
+          <a:lstStyle/>
           <a:p>
             <a:pPr algn="ctr"/>
             <a:endParaRPr lang="zh-CN" altLang="en-US"/>
@@ -7947,6 +7891,7 @@
         </p:style>
         <p:txBody>
           <a:bodyPr rtlCol="0" anchor="ctr"/>
+          <a:lstStyle/>
           <a:p>
             <a:pPr algn="ctr"/>
             <a:endParaRPr lang="zh-CN" altLang="en-US"/>
@@ -7986,6 +7931,7 @@
         </p:style>
         <p:txBody>
           <a:bodyPr rtlCol="0" anchor="ctr"/>
+          <a:lstStyle/>
           <a:p>
             <a:pPr algn="ctr"/>
             <a:endParaRPr lang="zh-CN" altLang="en-US"/>
@@ -8025,6 +7971,7 @@
         </p:style>
         <p:txBody>
           <a:bodyPr rtlCol="0" anchor="ctr"/>
+          <a:lstStyle/>
           <a:p>
             <a:pPr algn="ctr"/>
             <a:endParaRPr lang="zh-CN" altLang="en-US"/>
@@ -8064,6 +8011,7 @@
         </p:style>
         <p:txBody>
           <a:bodyPr rtlCol="0" anchor="ctr"/>
+          <a:lstStyle/>
           <a:p>
             <a:pPr algn="ctr"/>
             <a:endParaRPr lang="zh-CN" altLang="en-US"/>
@@ -8103,6 +8051,7 @@
         </p:style>
         <p:txBody>
           <a:bodyPr rtlCol="0" anchor="ctr"/>
+          <a:lstStyle/>
           <a:p>
             <a:pPr algn="ctr"/>
             <a:endParaRPr lang="zh-CN" altLang="en-US"/>
@@ -8142,6 +8091,7 @@
         </p:style>
         <p:txBody>
           <a:bodyPr rtlCol="0" anchor="ctr"/>
+          <a:lstStyle/>
           <a:p>
             <a:pPr algn="ctr"/>
             <a:endParaRPr lang="zh-CN" altLang="en-US"/>
@@ -8181,6 +8131,7 @@
         </p:style>
         <p:txBody>
           <a:bodyPr rtlCol="0" anchor="ctr"/>
+          <a:lstStyle/>
           <a:p>
             <a:pPr algn="ctr"/>
             <a:endParaRPr lang="zh-CN" altLang="en-US"/>
@@ -8220,6 +8171,7 @@
         </p:style>
         <p:txBody>
           <a:bodyPr rtlCol="0" anchor="ctr"/>
+          <a:lstStyle/>
           <a:p>
             <a:pPr algn="ctr"/>
             <a:endParaRPr lang="zh-CN" altLang="en-US"/>
@@ -8289,6 +8241,7 @@
         </p:style>
         <p:txBody>
           <a:bodyPr rtlCol="0" anchor="ctr"/>
+          <a:lstStyle/>
           <a:p>
             <a:pPr algn="ctr"/>
             <a:endParaRPr lang="zh-CN" altLang="en-US"/>
@@ -8357,7 +8310,7 @@
       </p:cxnSp>
     </p:spTree>
     <p:custDataLst>
-      <p:tags r:id="rId4"/>
+      <p:tags r:id="rId1"/>
     </p:custDataLst>
   </p:cSld>
   <p:clrMapOvr>
@@ -9219,9 +9172,21 @@
       </p:par>
     </p:tnLst>
     <p:bldLst>
-      <p:bldP spid="36" grpId="0" bldLvl="0" animBg="1"/>
-      <p:bldP spid="36" grpId="1" animBg="1"/>
-      <p:bldP spid="36" grpId="2" animBg="1"/>
+      <p:bldP spid="2" grpId="0" animBg="1"/>
+      <p:bldP spid="7" grpId="0" animBg="1"/>
+      <p:bldP spid="8" grpId="0" animBg="1"/>
+      <p:bldP spid="9" grpId="0" animBg="1"/>
+      <p:bldP spid="11" grpId="0" animBg="1"/>
+      <p:bldP spid="12" grpId="0" animBg="1"/>
+      <p:bldP spid="13" grpId="0" animBg="1"/>
+      <p:bldP spid="15" grpId="0" animBg="1"/>
+      <p:bldP spid="16" grpId="0" animBg="1"/>
+      <p:bldP spid="18" grpId="0" animBg="1"/>
+      <p:bldP spid="19" grpId="0" animBg="1"/>
+      <p:bldP spid="20" grpId="0" animBg="1"/>
+      <p:bldP spid="21" grpId="0" animBg="1"/>
+      <p:bldP spid="22" grpId="0" animBg="1"/>
+      <p:bldP spid="23" grpId="0" animBg="1"/>
       <p:bldP spid="24" grpId="0" animBg="1"/>
       <p:bldP spid="25" grpId="0" animBg="1"/>
       <p:bldP spid="26" grpId="0" animBg="1"/>
@@ -9233,21 +9198,9 @@
       <p:bldP spid="32" grpId="0" animBg="1"/>
       <p:bldP spid="33" grpId="0" animBg="1"/>
       <p:bldP spid="34" grpId="0" animBg="1"/>
-      <p:bldP spid="20" grpId="0" animBg="1"/>
-      <p:bldP spid="22" grpId="0" animBg="1"/>
-      <p:bldP spid="11" grpId="0" animBg="1"/>
-      <p:bldP spid="23" grpId="0" animBg="1"/>
-      <p:bldP spid="12" grpId="0" animBg="1"/>
-      <p:bldP spid="13" grpId="0" animBg="1"/>
-      <p:bldP spid="2" grpId="0" animBg="1"/>
-      <p:bldP spid="15" grpId="0" animBg="1"/>
-      <p:bldP spid="16" grpId="0" animBg="1"/>
-      <p:bldP spid="9" grpId="0" animBg="1"/>
-      <p:bldP spid="19" grpId="0" animBg="1"/>
-      <p:bldP spid="7" grpId="0" animBg="1"/>
-      <p:bldP spid="18" grpId="0" animBg="1"/>
-      <p:bldP spid="21" grpId="0" animBg="1"/>
-      <p:bldP spid="8" grpId="0" animBg="1"/>
+      <p:bldP spid="36" grpId="0" bldLvl="0" animBg="1"/>
+      <p:bldP spid="36" grpId="1" animBg="1"/>
+      <p:bldP spid="36" grpId="2" animBg="1"/>
     </p:bldLst>
   </p:timing>
 </p:sld>
@@ -9301,11 +9254,6 @@
               </a:rPr>
               <a:t>谢谢各位老师观看指导</a:t>
             </a:r>
-            <a:endParaRPr lang="zh-CN" altLang="en-US" sz="6000" b="1" dirty="0">
-              <a:solidFill>
-                <a:schemeClr val="bg1"/>
-              </a:solidFill>
-            </a:endParaRPr>
           </a:p>
         </p:txBody>
       </p:sp>
@@ -9389,11 +9337,6 @@
               </a:rPr>
               <a:t>谢谢</a:t>
             </a:r>
-            <a:endParaRPr lang="zh-CN" altLang="en-US" sz="6000" b="1" dirty="0">
-              <a:solidFill>
-                <a:schemeClr val="bg1"/>
-              </a:solidFill>
-            </a:endParaRPr>
           </a:p>
         </p:txBody>
       </p:sp>
@@ -9602,14 +9545,6 @@
                     </a:rPr>
                     <a:t>1</a:t>
                   </a:r>
-                  <a:endParaRPr lang="en-US" altLang="zh-CN" sz="3600" dirty="0">
-                    <a:solidFill>
-                      <a:schemeClr val="bg1"/>
-                    </a:solidFill>
-                    <a:latin typeface="Adobe Gothic Std B" panose="020B0800000000000000" charset="-128"/>
-                    <a:ea typeface="Adobe Gothic Std B" panose="020B0800000000000000" charset="-128"/>
-                    <a:sym typeface="+mn-ea"/>
-                  </a:endParaRPr>
                 </a:p>
               </p:txBody>
             </p:sp>
@@ -9684,7 +9619,6 @@
                 <a:rPr lang="zh-CN" altLang="en-US" sz="2800" b="1" dirty="0"/>
                 <a:t>当前进展</a:t>
               </a:r>
-              <a:endParaRPr lang="zh-CN" altLang="en-US" sz="2800" b="1" dirty="0"/>
             </a:p>
           </p:txBody>
         </p:sp>
@@ -9820,14 +9754,6 @@
                     </a:rPr>
                     <a:t>2</a:t>
                   </a:r>
-                  <a:endParaRPr lang="en-US" altLang="zh-CN" sz="3600" dirty="0">
-                    <a:solidFill>
-                      <a:schemeClr val="bg1"/>
-                    </a:solidFill>
-                    <a:latin typeface="Adobe Gothic Std B" panose="020B0800000000000000" charset="-128"/>
-                    <a:ea typeface="Adobe Gothic Std B" panose="020B0800000000000000" charset="-128"/>
-                    <a:sym typeface="+mn-ea"/>
-                  </a:endParaRPr>
                 </a:p>
               </p:txBody>
             </p:sp>
@@ -9902,7 +9828,6 @@
                 <a:rPr lang="zh-CN" altLang="en-US" sz="2800" b="1" dirty="0"/>
                 <a:t>总结与展望</a:t>
               </a:r>
-              <a:endParaRPr lang="zh-CN" altLang="en-US" sz="2800" b="1" dirty="0"/>
             </a:p>
           </p:txBody>
         </p:sp>
@@ -9937,11 +9862,6 @@
               </a:rPr>
               <a:t>CONTENTS</a:t>
             </a:r>
-            <a:endParaRPr lang="en-US" altLang="zh-CN" sz="4800">
-              <a:solidFill>
-                <a:schemeClr val="bg1"/>
-              </a:solidFill>
-            </a:endParaRPr>
           </a:p>
         </p:txBody>
       </p:sp>
@@ -9975,11 +9895,6 @@
               </a:rPr>
               <a:t>目录</a:t>
             </a:r>
-            <a:endParaRPr lang="zh-CN" altLang="en-US" sz="4800">
-              <a:solidFill>
-                <a:schemeClr val="bg1"/>
-              </a:solidFill>
-            </a:endParaRPr>
           </a:p>
         </p:txBody>
       </p:sp>
@@ -10236,13 +10151,6 @@
                 </a:rPr>
                 <a:t>01</a:t>
               </a:r>
-              <a:endParaRPr lang="en-US" altLang="zh-CN" sz="6000">
-                <a:solidFill>
-                  <a:schemeClr val="bg1"/>
-                </a:solidFill>
-                <a:latin typeface="Kozuka Gothic Pr6N H" panose="020B0800000000000000" charset="-128"/>
-                <a:ea typeface="Kozuka Gothic Pr6N H" panose="020B0800000000000000" charset="-128"/>
-              </a:endParaRPr>
             </a:p>
           </p:txBody>
         </p:sp>
@@ -10426,11 +10334,6 @@
               </a:rPr>
               <a:t>当前进展</a:t>
             </a:r>
-            <a:endParaRPr lang="zh-CN" altLang="en-US" sz="4800" dirty="0">
-              <a:solidFill>
-                <a:schemeClr val="bg1"/>
-              </a:solidFill>
-            </a:endParaRPr>
           </a:p>
         </p:txBody>
       </p:sp>
@@ -10578,13 +10481,6 @@
               </a:rPr>
               <a:t>）</a:t>
             </a:r>
-            <a:endParaRPr lang="zh-CN" altLang="en-US" sz="2800" b="1" dirty="0">
-              <a:solidFill>
-                <a:schemeClr val="bg1"/>
-              </a:solidFill>
-              <a:latin typeface="+mn-ea"/>
-              <a:sym typeface="+mn-ea"/>
-            </a:endParaRPr>
           </a:p>
         </p:txBody>
       </p:sp>
@@ -10682,7 +10578,6 @@
               <a:rPr lang="zh-CN" altLang="en-US" sz="3200" b="1" dirty="0"/>
               <a:t>当前进展</a:t>
             </a:r>
-            <a:endParaRPr lang="zh-CN" altLang="en-US" sz="3200" b="1" dirty="0"/>
           </a:p>
         </p:txBody>
       </p:sp>
@@ -10850,7 +10745,6 @@
               <a:rPr lang="zh-CN" altLang="en-US" sz="2400"/>
               <a:t>高斯分布</a:t>
             </a:r>
-            <a:endParaRPr lang="zh-CN" altLang="en-US" sz="2400"/>
           </a:p>
           <a:p>
             <a:pPr lvl="1"/>
@@ -10872,9 +10766,6 @@
               </a:rPr>
               <a:t>类的数据服从高斯分布                </a:t>
             </a:r>
-            <a:endParaRPr lang="zh-CN" altLang="en-US" sz="2400">
-              <a:sym typeface="+mn-ea"/>
-            </a:endParaRPr>
           </a:p>
           <a:p>
             <a:pPr lvl="1"/>
@@ -10884,9 +10775,6 @@
               </a:rPr>
               <a:t>训练：计算每类数据的均值</a:t>
             </a:r>
-            <a:endParaRPr lang="zh-CN" altLang="en-US" sz="2400">
-              <a:sym typeface="+mn-ea"/>
-            </a:endParaRPr>
           </a:p>
           <a:p>
             <a:pPr lvl="1"/>
@@ -10896,9 +10784,6 @@
               </a:rPr>
               <a:t>预测：最近一类均值对应的类别</a:t>
             </a:r>
-            <a:endParaRPr lang="zh-CN" altLang="en-US" sz="2400">
-              <a:sym typeface="+mn-ea"/>
-            </a:endParaRPr>
           </a:p>
           <a:p>
             <a:pPr lvl="1"/>
@@ -10914,9 +10799,6 @@
               </a:rPr>
               <a:t>.4%</a:t>
             </a:r>
-            <a:endParaRPr lang="en-US" altLang="zh-CN" sz="2400">
-              <a:sym typeface="+mn-ea"/>
-            </a:endParaRPr>
           </a:p>
           <a:p>
             <a:pPr lvl="1"/>
@@ -10938,7 +10820,6 @@
               <a:rPr lang="zh-CN" altLang="en-US" sz="2400"/>
               <a:t>数据预处理：展开为一维向量（忽略空间信息）</a:t>
             </a:r>
-            <a:endParaRPr lang="zh-CN" altLang="en-US" sz="2400"/>
           </a:p>
           <a:p>
             <a:pPr lvl="1"/>
@@ -10946,7 +10827,6 @@
               <a:rPr lang="zh-CN" altLang="en-US" sz="2400"/>
               <a:t>训练：错分类时迭代（全部正确则停止）</a:t>
             </a:r>
-            <a:endParaRPr lang="zh-CN" altLang="en-US" sz="2400"/>
           </a:p>
           <a:p>
             <a:pPr lvl="1"/>
@@ -10958,7 +10838,6 @@
               <a:rPr lang="zh-CN" altLang="en-US" sz="2400"/>
               <a:t>：训练集中被错分的比例</a:t>
             </a:r>
-            <a:endParaRPr lang="zh-CN" altLang="en-US" sz="2400"/>
           </a:p>
           <a:p>
             <a:pPr lvl="1"/>
@@ -10990,7 +10869,7 @@
       <p:graphicFrame>
         <p:nvGraphicFramePr>
           <p:cNvPr id="14" name="对象 13">
-            <a:hlinkClick r:id="" action="ppaction://ole?verb="/>
+            <a:hlinkClick r:id="" action="ppaction://ole?verb=0"/>
           </p:cNvPr>
           <p:cNvGraphicFramePr>
             <a:graphicFrameLocks noChangeAspect="1"/>
@@ -11005,12 +10884,12 @@
           <a:graphicData uri="http://schemas.openxmlformats.org/presentationml/2006/ole">
             <mc:AlternateContent xmlns:mc="http://schemas.openxmlformats.org/markup-compatibility/2006">
               <mc:Choice xmlns:v="urn:schemas-microsoft-com:vml" Requires="v">
-                <p:oleObj spid="_x0000_s1029" name="" r:id="rId1" imgW="914400" imgH="215900" progId="Equation.KSEE3">
+                <p:oleObj r:id="rId3" imgW="914400" imgH="215900" progId="Equation.KSEE3">
                   <p:embed/>
                 </p:oleObj>
               </mc:Choice>
               <mc:Fallback>
-                <p:oleObj name="" r:id="rId1" imgW="914400" imgH="215900" progId="Equation.KSEE3">
+                <p:oleObj r:id="rId3" imgW="914400" imgH="215900" progId="Equation.KSEE3">
                   <p:embed/>
                   <p:pic>
                     <p:nvPicPr>
@@ -11019,7 +10898,7 @@
                       <p:nvPr/>
                     </p:nvPicPr>
                     <p:blipFill>
-                      <a:blip r:embed="rId2"/>
+                      <a:blip r:embed="rId4"/>
                       <a:stretch>
                         <a:fillRect/>
                       </a:stretch>
@@ -11049,7 +10928,7 @@
           <p:nvPr/>
         </p:nvPicPr>
         <p:blipFill>
-          <a:blip r:embed="rId3">
+          <a:blip r:embed="rId5">
             <a:clrChange>
               <a:clrFrom>
                 <a:srgbClr val="FFFFFF">
@@ -11098,122 +10977,102 @@
           <a:bodyPr wrap="square" rtlCol="0" anchor="t">
             <a:spAutoFit/>
           </a:bodyPr>
+          <a:lstStyle/>
           <a:p>
             <a:r>
               <a:rPr lang="zh-CN" altLang="en-US"/>
               <a:t>cycle1, err0.528387898881061</a:t>
             </a:r>
-            <a:endParaRPr lang="zh-CN" altLang="en-US"/>
           </a:p>
           <a:p>
             <a:r>
               <a:rPr lang="zh-CN" altLang="en-US"/>
               <a:t>cycle2, err0.13634479900538748</a:t>
             </a:r>
-            <a:endParaRPr lang="zh-CN" altLang="en-US"/>
           </a:p>
           <a:p>
             <a:r>
               <a:rPr lang="zh-CN" altLang="en-US"/>
               <a:t>cycle3, err0.05470368835474513</a:t>
             </a:r>
-            <a:endParaRPr lang="zh-CN" altLang="en-US"/>
           </a:p>
           <a:p>
             <a:r>
               <a:rPr lang="zh-CN" altLang="en-US"/>
               <a:t>cycle4, err0.023207625362619146</a:t>
             </a:r>
-            <a:endParaRPr lang="zh-CN" altLang="en-US"/>
           </a:p>
           <a:p>
             <a:r>
               <a:rPr lang="zh-CN" altLang="en-US"/>
               <a:t>cycle5, err0.009531703273932863</a:t>
             </a:r>
-            <a:endParaRPr lang="zh-CN" altLang="en-US"/>
           </a:p>
           <a:p>
             <a:r>
               <a:rPr lang="zh-CN" altLang="en-US"/>
               <a:t>cycle6, err0.004144218814753419</a:t>
             </a:r>
-            <a:endParaRPr lang="zh-CN" altLang="en-US"/>
           </a:p>
           <a:p>
             <a:r>
               <a:rPr lang="zh-CN" altLang="en-US"/>
               <a:t>cycle7, err0.0012432656444260257</a:t>
             </a:r>
-            <a:endParaRPr lang="zh-CN" altLang="en-US"/>
           </a:p>
           <a:p>
             <a:r>
               <a:rPr lang="zh-CN" altLang="en-US"/>
               <a:t>cycle8, err0.0024865312888520514</a:t>
             </a:r>
-            <a:endParaRPr lang="zh-CN" altLang="en-US"/>
           </a:p>
           <a:p>
             <a:r>
               <a:rPr lang="zh-CN" altLang="en-US"/>
               <a:t>cycle9, err0.0012432656444260257</a:t>
             </a:r>
-            <a:endParaRPr lang="zh-CN" altLang="en-US"/>
           </a:p>
           <a:p>
             <a:r>
               <a:rPr lang="zh-CN" altLang="en-US"/>
               <a:t>cycle10, err0.0008288437629506838</a:t>
             </a:r>
-            <a:endParaRPr lang="zh-CN" altLang="en-US"/>
           </a:p>
           <a:p>
             <a:r>
               <a:rPr lang="zh-CN" altLang="en-US"/>
               <a:t>cycle11, err0.0008288437629506838</a:t>
             </a:r>
-            <a:endParaRPr lang="zh-CN" altLang="en-US"/>
           </a:p>
           <a:p>
             <a:r>
               <a:rPr lang="zh-CN" altLang="en-US"/>
               <a:t>cycle12, err0.0016576875259013675</a:t>
             </a:r>
-            <a:endParaRPr lang="zh-CN" altLang="en-US"/>
           </a:p>
           <a:p>
             <a:r>
               <a:rPr lang="zh-CN" altLang="en-US"/>
               <a:t>cycle13, err0.0008288437629506838</a:t>
             </a:r>
-            <a:endParaRPr lang="zh-CN" altLang="en-US"/>
           </a:p>
           <a:p>
             <a:r>
               <a:rPr lang="zh-CN" altLang="en-US"/>
               <a:t>0.9172185430463576</a:t>
             </a:r>
-            <a:endParaRPr lang="zh-CN" altLang="en-US"/>
           </a:p>
         </p:txBody>
       </p:sp>
     </p:spTree>
     <p:custDataLst>
-      <p:tags r:id="rId4"/>
+      <p:tags r:id="rId1"/>
     </p:custDataLst>
   </p:cSld>
   <p:clrMapOvr>
     <a:masterClrMapping/>
   </p:clrMapOvr>
   <p:transition spd="slow"/>
-  <p:timing>
-    <p:tnLst>
-      <p:par>
-        <p:cTn id="1" dur="indefinite" restart="never" nodeType="tmRoot"/>
-      </p:par>
-    </p:tnLst>
-  </p:timing>
 </p:sld>
 </file>
 
@@ -11352,13 +11211,6 @@
               </a:rPr>
               <a:t>）</a:t>
             </a:r>
-            <a:endParaRPr lang="zh-CN" altLang="en-US" sz="2800" b="1" dirty="0">
-              <a:solidFill>
-                <a:schemeClr val="bg1"/>
-              </a:solidFill>
-              <a:latin typeface="+mn-ea"/>
-              <a:sym typeface="+mn-ea"/>
-            </a:endParaRPr>
           </a:p>
         </p:txBody>
       </p:sp>
@@ -11456,7 +11308,6 @@
               <a:rPr lang="zh-CN" altLang="en-US" sz="3200" b="1" dirty="0"/>
               <a:t>当前进展</a:t>
             </a:r>
-            <a:endParaRPr lang="zh-CN" altLang="en-US" sz="3200" b="1" dirty="0"/>
           </a:p>
         </p:txBody>
       </p:sp>
@@ -11644,17 +11495,8 @@
               <a:rPr lang="zh-CN" altLang="en-US" sz="2400">
                 <a:sym typeface="+mn-ea"/>
               </a:rPr>
-              <a:t>、归一化</a:t>
-            </a:r>
-            <a:r>
-              <a:rPr lang="zh-CN" altLang="en-US" sz="2400">
-                <a:sym typeface="+mn-ea"/>
-              </a:rPr>
-              <a:t>      </a:t>
-            </a:r>
-            <a:endParaRPr lang="zh-CN" altLang="en-US" sz="2400">
-              <a:sym typeface="+mn-ea"/>
-            </a:endParaRPr>
+              <a:t>、归一化      </a:t>
+            </a:r>
           </a:p>
           <a:p>
             <a:pPr lvl="1"/>
@@ -11676,9 +11518,6 @@
               </a:rPr>
               <a:t>线性层预测</a:t>
             </a:r>
-            <a:endParaRPr lang="zh-CN" altLang="en-US" sz="2400">
-              <a:sym typeface="+mn-ea"/>
-            </a:endParaRPr>
           </a:p>
           <a:p>
             <a:pPr lvl="1"/>
@@ -11694,9 +11533,6 @@
               </a:rPr>
               <a:t>.55%</a:t>
             </a:r>
-            <a:endParaRPr lang="en-US" altLang="zh-CN" sz="2400">
-              <a:sym typeface="+mn-ea"/>
-            </a:endParaRPr>
           </a:p>
           <a:p>
             <a:pPr lvl="1"/>
@@ -11709,7 +11545,7 @@
       <p:graphicFrame>
         <p:nvGraphicFramePr>
           <p:cNvPr id="14" name="对象 13">
-            <a:hlinkClick r:id="" action="ppaction://ole?verb="/>
+            <a:hlinkClick r:id="" action="ppaction://ole?verb=0"/>
           </p:cNvPr>
           <p:cNvGraphicFramePr>
             <a:graphicFrameLocks noChangeAspect="1"/>
@@ -11724,12 +11560,12 @@
           <a:graphicData uri="http://schemas.openxmlformats.org/presentationml/2006/ole">
             <mc:AlternateContent xmlns:mc="http://schemas.openxmlformats.org/markup-compatibility/2006">
               <mc:Choice xmlns:v="urn:schemas-microsoft-com:vml" Requires="v">
-                <p:oleObj spid="_x0000_s1029" name="" r:id="rId1" imgW="914400" imgH="215900" progId="Equation.KSEE3">
+                <p:oleObj r:id="rId3" imgW="914400" imgH="215900" progId="Equation.KSEE3">
                   <p:embed/>
                 </p:oleObj>
               </mc:Choice>
               <mc:Fallback>
-                <p:oleObj name="" r:id="rId1" imgW="914400" imgH="215900" progId="Equation.KSEE3">
+                <p:oleObj r:id="rId3" imgW="914400" imgH="215900" progId="Equation.KSEE3">
                   <p:embed/>
                   <p:pic>
                     <p:nvPicPr>
@@ -11738,7 +11574,7 @@
                       <p:nvPr/>
                     </p:nvPicPr>
                     <p:blipFill>
-                      <a:blip r:embed="rId2"/>
+                      <a:blip r:embed="rId4"/>
                       <a:stretch>
                         <a:fillRect/>
                       </a:stretch>
@@ -11768,7 +11604,7 @@
           <p:nvPr/>
         </p:nvPicPr>
         <p:blipFill>
-          <a:blip r:embed="rId3"/>
+          <a:blip r:embed="rId5"/>
           <a:stretch>
             <a:fillRect/>
           </a:stretch>
@@ -11792,7 +11628,7 @@
           <p:nvPr/>
         </p:nvPicPr>
         <p:blipFill>
-          <a:blip r:embed="rId4"/>
+          <a:blip r:embed="rId6"/>
           <a:stretch>
             <a:fillRect/>
           </a:stretch>
@@ -11816,7 +11652,7 @@
           <p:nvPr/>
         </p:nvPicPr>
         <p:blipFill>
-          <a:blip r:embed="rId5"/>
+          <a:blip r:embed="rId7"/>
           <a:stretch>
             <a:fillRect/>
           </a:stretch>
@@ -11833,7 +11669,7 @@
       </p:pic>
     </p:spTree>
     <p:custDataLst>
-      <p:tags r:id="rId6"/>
+      <p:tags r:id="rId1"/>
     </p:custDataLst>
   </p:cSld>
   <p:clrMapOvr>
@@ -12080,13 +11916,6 @@
               </a:rPr>
               <a:t>）</a:t>
             </a:r>
-            <a:endParaRPr lang="zh-CN" altLang="en-US" sz="2800" b="1" dirty="0">
-              <a:solidFill>
-                <a:schemeClr val="bg1"/>
-              </a:solidFill>
-              <a:latin typeface="+mn-ea"/>
-              <a:sym typeface="+mn-ea"/>
-            </a:endParaRPr>
           </a:p>
         </p:txBody>
       </p:sp>
@@ -12184,7 +12013,6 @@
               <a:rPr lang="zh-CN" altLang="en-US" sz="3200" b="1" dirty="0"/>
               <a:t>当前进展</a:t>
             </a:r>
-            <a:endParaRPr lang="zh-CN" altLang="en-US" sz="3200" b="1" dirty="0"/>
           </a:p>
         </p:txBody>
       </p:sp>
@@ -12372,17 +12200,8 @@
               <a:rPr lang="zh-CN" altLang="en-US" sz="2400">
                 <a:sym typeface="+mn-ea"/>
               </a:rPr>
-              <a:t>、归一化</a:t>
-            </a:r>
-            <a:r>
-              <a:rPr lang="zh-CN" altLang="en-US" sz="2400">
-                <a:sym typeface="+mn-ea"/>
-              </a:rPr>
-              <a:t>      </a:t>
-            </a:r>
-            <a:endParaRPr lang="zh-CN" altLang="en-US" sz="2400">
-              <a:sym typeface="+mn-ea"/>
-            </a:endParaRPr>
+              <a:t>、归一化      </a:t>
+            </a:r>
           </a:p>
           <a:p>
             <a:pPr lvl="1"/>
@@ -12404,9 +12223,6 @@
               </a:rPr>
               <a:t>线性层预测</a:t>
             </a:r>
-            <a:endParaRPr lang="zh-CN" altLang="en-US" sz="2400">
-              <a:sym typeface="+mn-ea"/>
-            </a:endParaRPr>
           </a:p>
           <a:p>
             <a:pPr lvl="1"/>
@@ -12422,9 +12238,6 @@
               </a:rPr>
               <a:t>97.1%</a:t>
             </a:r>
-            <a:endParaRPr lang="en-US" altLang="zh-CN" sz="2400">
-              <a:sym typeface="+mn-ea"/>
-            </a:endParaRPr>
           </a:p>
           <a:p>
             <a:pPr lvl="1"/>
@@ -12437,7 +12250,7 @@
       <p:graphicFrame>
         <p:nvGraphicFramePr>
           <p:cNvPr id="14" name="对象 13">
-            <a:hlinkClick r:id="" action="ppaction://ole?verb="/>
+            <a:hlinkClick r:id="" action="ppaction://ole?verb=0"/>
           </p:cNvPr>
           <p:cNvGraphicFramePr>
             <a:graphicFrameLocks noChangeAspect="1"/>
@@ -12452,12 +12265,12 @@
           <a:graphicData uri="http://schemas.openxmlformats.org/presentationml/2006/ole">
             <mc:AlternateContent xmlns:mc="http://schemas.openxmlformats.org/markup-compatibility/2006">
               <mc:Choice xmlns:v="urn:schemas-microsoft-com:vml" Requires="v">
-                <p:oleObj spid="_x0000_s1029" name="" r:id="rId1" imgW="914400" imgH="215900" progId="Equation.KSEE3">
+                <p:oleObj r:id="rId3" imgW="914400" imgH="215900" progId="Equation.KSEE3">
                   <p:embed/>
                 </p:oleObj>
               </mc:Choice>
               <mc:Fallback>
-                <p:oleObj name="" r:id="rId1" imgW="914400" imgH="215900" progId="Equation.KSEE3">
+                <p:oleObj r:id="rId3" imgW="914400" imgH="215900" progId="Equation.KSEE3">
                   <p:embed/>
                   <p:pic>
                     <p:nvPicPr>
@@ -12466,7 +12279,7 @@
                       <p:nvPr/>
                     </p:nvPicPr>
                     <p:blipFill>
-                      <a:blip r:embed="rId2"/>
+                      <a:blip r:embed="rId4"/>
                       <a:stretch>
                         <a:fillRect/>
                       </a:stretch>
@@ -12496,7 +12309,7 @@
           <p:nvPr/>
         </p:nvPicPr>
         <p:blipFill>
-          <a:blip r:embed="rId3"/>
+          <a:blip r:embed="rId5"/>
           <a:stretch>
             <a:fillRect/>
           </a:stretch>
@@ -12520,7 +12333,7 @@
           <p:nvPr/>
         </p:nvPicPr>
         <p:blipFill>
-          <a:blip r:embed="rId4"/>
+          <a:blip r:embed="rId6"/>
           <a:stretch>
             <a:fillRect/>
           </a:stretch>
@@ -12544,7 +12357,7 @@
           <p:nvPr/>
         </p:nvPicPr>
         <p:blipFill>
-          <a:blip r:embed="rId5"/>
+          <a:blip r:embed="rId7"/>
           <a:stretch>
             <a:fillRect/>
           </a:stretch>
@@ -12561,20 +12374,13 @@
       </p:pic>
     </p:spTree>
     <p:custDataLst>
-      <p:tags r:id="rId6"/>
+      <p:tags r:id="rId1"/>
     </p:custDataLst>
   </p:cSld>
   <p:clrMapOvr>
     <a:masterClrMapping/>
   </p:clrMapOvr>
   <p:transition spd="slow"/>
-  <p:timing>
-    <p:tnLst>
-      <p:par>
-        <p:cTn id="1" dur="indefinite" restart="never" nodeType="tmRoot"/>
-      </p:par>
-    </p:tnLst>
-  </p:timing>
 </p:sld>
 </file>
 
@@ -12691,25 +12497,8 @@
                 <a:latin typeface="+mn-ea"/>
                 <a:sym typeface="+mn-ea"/>
               </a:rPr>
-              <a:t>小</a:t>
-            </a:r>
-            <a:r>
-              <a:rPr lang="zh-CN" altLang="en-US" sz="2800" b="1" dirty="0">
-                <a:solidFill>
-                  <a:schemeClr val="bg1"/>
-                </a:solidFill>
-                <a:latin typeface="+mn-ea"/>
-                <a:sym typeface="+mn-ea"/>
-              </a:rPr>
-              <a:t>训练集（每类一个样本）</a:t>
-            </a:r>
-            <a:endParaRPr lang="zh-CN" altLang="en-US" sz="2800" b="1" dirty="0">
-              <a:solidFill>
-                <a:schemeClr val="bg1"/>
-              </a:solidFill>
-              <a:latin typeface="+mn-ea"/>
-              <a:sym typeface="+mn-ea"/>
-            </a:endParaRPr>
+              <a:t>小训练集（每类一个样本）</a:t>
+            </a:r>
           </a:p>
         </p:txBody>
       </p:sp>
@@ -12807,7 +12596,6 @@
               <a:rPr lang="zh-CN" altLang="en-US" sz="3200" b="1" dirty="0"/>
               <a:t>当前进展</a:t>
             </a:r>
-            <a:endParaRPr lang="zh-CN" altLang="en-US" sz="3200" b="1" dirty="0"/>
           </a:p>
         </p:txBody>
       </p:sp>
@@ -12830,7 +12618,7 @@
         </p:spPr>
         <p:txBody>
           <a:bodyPr vert="horz" lIns="91440" tIns="45720" rIns="91440" bIns="45720" rtlCol="0">
-            <a:normAutofit lnSpcReduction="10000"/>
+            <a:normAutofit/>
           </a:bodyPr>
           <a:lstStyle>
             <a:lvl1pPr marL="342900" indent="-342900" algn="l" defTabSz="914400" rtl="0" eaLnBrk="1" latinLnBrk="0" hangingPunct="1">
@@ -12975,7 +12763,6 @@
               <a:rPr lang="zh-CN" altLang="en-US" sz="2400"/>
               <a:t>高斯分布</a:t>
             </a:r>
-            <a:endParaRPr lang="zh-CN" altLang="en-US" sz="2400"/>
           </a:p>
           <a:p>
             <a:pPr lvl="1"/>
@@ -12997,9 +12784,6 @@
               </a:rPr>
               <a:t>类的数据服从高斯分布                </a:t>
             </a:r>
-            <a:endParaRPr lang="zh-CN" altLang="en-US" sz="2400">
-              <a:sym typeface="+mn-ea"/>
-            </a:endParaRPr>
           </a:p>
           <a:p>
             <a:pPr lvl="1"/>
@@ -13009,9 +12793,6 @@
               </a:rPr>
               <a:t>训练：计算每类数据的均值</a:t>
             </a:r>
-            <a:endParaRPr lang="zh-CN" altLang="en-US" sz="2400">
-              <a:sym typeface="+mn-ea"/>
-            </a:endParaRPr>
           </a:p>
           <a:p>
             <a:pPr lvl="1"/>
@@ -13021,9 +12802,6 @@
               </a:rPr>
               <a:t>预测：最近一类均值对应的类别</a:t>
             </a:r>
-            <a:endParaRPr lang="zh-CN" altLang="en-US" sz="2400">
-              <a:sym typeface="+mn-ea"/>
-            </a:endParaRPr>
           </a:p>
           <a:p>
             <a:pPr lvl="1"/>
@@ -13079,13 +12857,7 @@
               <a:rPr lang="en-US" altLang="zh-CN" sz="2400">
                 <a:sym typeface="+mn-ea"/>
               </a:rPr>
-              <a:t>%</a:t>
-            </a:r>
-            <a:r>
-              <a:rPr lang="en-US" altLang="zh-CN" sz="2400">
-                <a:sym typeface="+mn-ea"/>
-              </a:rPr>
-              <a:t>(top5)</a:t>
+              <a:t>%(top5)</a:t>
             </a:r>
             <a:endParaRPr lang="zh-CN" altLang="en-US" sz="2400">
               <a:sym typeface="+mn-ea"/>
@@ -13113,7 +12885,6 @@
               <a:rPr lang="zh-CN" altLang="en-US" sz="2400"/>
               <a:t>数据预处理：展开为一维向量（忽略空间信息）</a:t>
             </a:r>
-            <a:endParaRPr lang="zh-CN" altLang="en-US" sz="2400"/>
           </a:p>
           <a:p>
             <a:pPr lvl="1"/>
@@ -13121,7 +12892,6 @@
               <a:rPr lang="zh-CN" altLang="en-US" sz="2400"/>
               <a:t>训练：错分类时迭代（全部正确则停止）</a:t>
             </a:r>
-            <a:endParaRPr lang="zh-CN" altLang="en-US" sz="2400"/>
           </a:p>
           <a:p>
             <a:pPr lvl="1"/>
@@ -13133,7 +12903,6 @@
               <a:rPr lang="zh-CN" altLang="en-US" sz="2400"/>
               <a:t>：训练集中被错分的比例</a:t>
             </a:r>
-            <a:endParaRPr lang="zh-CN" altLang="en-US" sz="2400"/>
           </a:p>
           <a:p>
             <a:pPr lvl="1"/>
@@ -13189,7 +12958,7 @@
       <p:graphicFrame>
         <p:nvGraphicFramePr>
           <p:cNvPr id="14" name="对象 13">
-            <a:hlinkClick r:id="" action="ppaction://ole?verb="/>
+            <a:hlinkClick r:id="" action="ppaction://ole?verb=0"/>
           </p:cNvPr>
           <p:cNvGraphicFramePr>
             <a:graphicFrameLocks noChangeAspect="1"/>
@@ -13204,12 +12973,12 @@
           <a:graphicData uri="http://schemas.openxmlformats.org/presentationml/2006/ole">
             <mc:AlternateContent xmlns:mc="http://schemas.openxmlformats.org/markup-compatibility/2006">
               <mc:Choice xmlns:v="urn:schemas-microsoft-com:vml" Requires="v">
-                <p:oleObj spid="_x0000_s1029" name="" r:id="rId1" imgW="914400" imgH="215900" progId="Equation.KSEE3">
+                <p:oleObj r:id="rId3" imgW="914400" imgH="215900" progId="Equation.KSEE3">
                   <p:embed/>
                 </p:oleObj>
               </mc:Choice>
               <mc:Fallback>
-                <p:oleObj name="" r:id="rId1" imgW="914400" imgH="215900" progId="Equation.KSEE3">
+                <p:oleObj r:id="rId3" imgW="914400" imgH="215900" progId="Equation.KSEE3">
                   <p:embed/>
                   <p:pic>
                     <p:nvPicPr>
@@ -13218,7 +12987,7 @@
                       <p:nvPr/>
                     </p:nvPicPr>
                     <p:blipFill>
-                      <a:blip r:embed="rId2"/>
+                      <a:blip r:embed="rId4"/>
                       <a:stretch>
                         <a:fillRect/>
                       </a:stretch>
@@ -13248,7 +13017,7 @@
           <p:nvPr/>
         </p:nvPicPr>
         <p:blipFill>
-          <a:blip r:embed="rId3">
+          <a:blip r:embed="rId5">
             <a:clrChange>
               <a:clrFrom>
                 <a:srgbClr val="FFFFFF">
@@ -13297,108 +13066,90 @@
           <a:bodyPr wrap="square" rtlCol="0" anchor="t">
             <a:spAutoFit/>
           </a:bodyPr>
+          <a:lstStyle/>
           <a:p>
             <a:r>
               <a:rPr lang="zh-CN" altLang="en-US"/>
               <a:t>cycle1, err1.0</a:t>
             </a:r>
-            <a:endParaRPr lang="zh-CN" altLang="en-US"/>
           </a:p>
           <a:p>
             <a:r>
               <a:rPr lang="zh-CN" altLang="en-US"/>
               <a:t>cycle2, err0.8940397350993378</a:t>
             </a:r>
-            <a:endParaRPr lang="zh-CN" altLang="en-US"/>
           </a:p>
           <a:p>
             <a:r>
               <a:rPr lang="zh-CN" altLang="en-US"/>
               <a:t>cycle3, err0.7615894039735099</a:t>
             </a:r>
-            <a:endParaRPr lang="zh-CN" altLang="en-US"/>
           </a:p>
           <a:p>
             <a:r>
               <a:rPr lang="zh-CN" altLang="en-US"/>
               <a:t>cycle4, err0.5562913907284768</a:t>
             </a:r>
-            <a:endParaRPr lang="zh-CN" altLang="en-US"/>
           </a:p>
           <a:p>
             <a:r>
               <a:rPr lang="zh-CN" altLang="en-US"/>
               <a:t>cycle5, err0.41721854304635764</a:t>
             </a:r>
-            <a:endParaRPr lang="zh-CN" altLang="en-US"/>
           </a:p>
           <a:p>
             <a:r>
               <a:rPr lang="zh-CN" altLang="en-US"/>
               <a:t>cycle6, err0.26490066225165565</a:t>
             </a:r>
-            <a:endParaRPr lang="zh-CN" altLang="en-US"/>
           </a:p>
           <a:p>
             <a:r>
               <a:rPr lang="zh-CN" altLang="en-US"/>
               <a:t>cycle7, err0.18543046357615894</a:t>
             </a:r>
-            <a:endParaRPr lang="zh-CN" altLang="en-US"/>
           </a:p>
           <a:p>
             <a:r>
               <a:rPr lang="zh-CN" altLang="en-US"/>
               <a:t>cycle8, err0.11258278145695365</a:t>
             </a:r>
-            <a:endParaRPr lang="zh-CN" altLang="en-US"/>
           </a:p>
           <a:p>
             <a:r>
               <a:rPr lang="zh-CN" altLang="en-US"/>
               <a:t>cycle9, err0.06622516556291391</a:t>
             </a:r>
-            <a:endParaRPr lang="zh-CN" altLang="en-US"/>
           </a:p>
           <a:p>
             <a:r>
               <a:rPr lang="zh-CN" altLang="en-US"/>
               <a:t>cycle10, err0.033112582781456956</a:t>
             </a:r>
-            <a:endParaRPr lang="zh-CN" altLang="en-US"/>
           </a:p>
           <a:p>
             <a:r>
               <a:rPr lang="zh-CN" altLang="en-US"/>
               <a:t>cycle11, err0.006622516556291391</a:t>
             </a:r>
-            <a:endParaRPr lang="zh-CN" altLang="en-US"/>
           </a:p>
           <a:p>
             <a:r>
               <a:rPr lang="zh-CN" altLang="en-US"/>
               <a:t>cycle12, err0.006622516556291391</a:t>
             </a:r>
-            <a:endParaRPr lang="zh-CN" altLang="en-US"/>
           </a:p>
         </p:txBody>
       </p:sp>
     </p:spTree>
     <p:custDataLst>
-      <p:tags r:id="rId4"/>
+      <p:tags r:id="rId1"/>
     </p:custDataLst>
   </p:cSld>
   <p:clrMapOvr>
     <a:masterClrMapping/>
   </p:clrMapOvr>
   <p:transition spd="slow"/>
-  <p:timing>
-    <p:tnLst>
-      <p:par>
-        <p:cTn id="1" dur="indefinite" restart="never" nodeType="tmRoot"/>
-      </p:par>
-    </p:tnLst>
-  </p:timing>
 </p:sld>
 </file>
 
@@ -13515,25 +13266,8 @@
                 <a:latin typeface="+mn-ea"/>
                 <a:sym typeface="+mn-ea"/>
               </a:rPr>
-              <a:t>小</a:t>
-            </a:r>
-            <a:r>
-              <a:rPr lang="zh-CN" altLang="en-US" sz="2800" b="1" dirty="0">
-                <a:solidFill>
-                  <a:schemeClr val="bg1"/>
-                </a:solidFill>
-                <a:latin typeface="+mn-ea"/>
-                <a:sym typeface="+mn-ea"/>
-              </a:rPr>
-              <a:t>训练集（每类一个样本）</a:t>
-            </a:r>
-            <a:endParaRPr lang="zh-CN" altLang="en-US" sz="2800" b="1" dirty="0">
-              <a:solidFill>
-                <a:schemeClr val="bg1"/>
-              </a:solidFill>
-              <a:latin typeface="+mn-ea"/>
-              <a:sym typeface="+mn-ea"/>
-            </a:endParaRPr>
+              <a:t>小训练集（每类一个样本）</a:t>
+            </a:r>
           </a:p>
         </p:txBody>
       </p:sp>
@@ -13631,14 +13365,13 @@
               <a:rPr lang="zh-CN" altLang="en-US" sz="3200" b="1" dirty="0"/>
               <a:t>当前进展</a:t>
             </a:r>
-            <a:endParaRPr lang="zh-CN" altLang="en-US" sz="3200" b="1" dirty="0"/>
           </a:p>
         </p:txBody>
       </p:sp>
       <p:graphicFrame>
         <p:nvGraphicFramePr>
           <p:cNvPr id="14" name="对象 13">
-            <a:hlinkClick r:id="" action="ppaction://ole?verb="/>
+            <a:hlinkClick r:id="" action="ppaction://ole?verb=0"/>
           </p:cNvPr>
           <p:cNvGraphicFramePr>
             <a:graphicFrameLocks noChangeAspect="1"/>
@@ -13653,12 +13386,12 @@
           <a:graphicData uri="http://schemas.openxmlformats.org/presentationml/2006/ole">
             <mc:AlternateContent xmlns:mc="http://schemas.openxmlformats.org/markup-compatibility/2006">
               <mc:Choice xmlns:v="urn:schemas-microsoft-com:vml" Requires="v">
-                <p:oleObj spid="_x0000_s1029" name="" r:id="rId1" imgW="914400" imgH="215900" progId="Equation.KSEE3">
+                <p:oleObj r:id="rId3" imgW="914400" imgH="215900" progId="Equation.KSEE3">
                   <p:embed/>
                 </p:oleObj>
               </mc:Choice>
               <mc:Fallback>
-                <p:oleObj name="" r:id="rId1" imgW="914400" imgH="215900" progId="Equation.KSEE3">
+                <p:oleObj r:id="rId3" imgW="914400" imgH="215900" progId="Equation.KSEE3">
                   <p:embed/>
                   <p:pic>
                     <p:nvPicPr>
@@ -13667,7 +13400,7 @@
                       <p:nvPr/>
                     </p:nvPicPr>
                     <p:blipFill>
-                      <a:blip r:embed="rId2"/>
+                      <a:blip r:embed="rId4"/>
                       <a:stretch>
                         <a:fillRect/>
                       </a:stretch>
@@ -13906,13 +13639,7 @@
               <a:rPr lang="en-US" altLang="zh-CN" sz="2400">
                 <a:sym typeface="+mn-ea"/>
               </a:rPr>
-              <a:t>2</a:t>
-            </a:r>
-            <a:r>
-              <a:rPr lang="en-US" altLang="zh-CN" sz="2400">
-                <a:sym typeface="+mn-ea"/>
-              </a:rPr>
-              <a:t>.90%(top1)</a:t>
+              <a:t>2.90%(top1)</a:t>
             </a:r>
             <a:r>
               <a:rPr lang="zh-CN" altLang="en-US" sz="2400">
@@ -13967,7 +13694,7 @@
           <p:nvPr/>
         </p:nvPicPr>
         <p:blipFill>
-          <a:blip r:embed="rId3"/>
+          <a:blip r:embed="rId5"/>
           <a:stretch>
             <a:fillRect/>
           </a:stretch>
@@ -13991,7 +13718,7 @@
           <p:nvPr/>
         </p:nvPicPr>
         <p:blipFill>
-          <a:blip r:embed="rId4"/>
+          <a:blip r:embed="rId6"/>
           <a:stretch>
             <a:fillRect/>
           </a:stretch>
@@ -14015,7 +13742,7 @@
           <p:nvPr/>
         </p:nvPicPr>
         <p:blipFill>
-          <a:blip r:embed="rId5"/>
+          <a:blip r:embed="rId7"/>
           <a:stretch>
             <a:fillRect/>
           </a:stretch>
@@ -14039,7 +13766,7 @@
           <p:nvPr/>
         </p:nvPicPr>
         <p:blipFill>
-          <a:blip r:embed="rId6"/>
+          <a:blip r:embed="rId8"/>
           <a:stretch>
             <a:fillRect/>
           </a:stretch>
@@ -14056,7 +13783,7 @@
       </p:pic>
     </p:spTree>
     <p:custDataLst>
-      <p:tags r:id="rId7"/>
+      <p:tags r:id="rId1"/>
     </p:custDataLst>
   </p:cSld>
   <p:clrMapOvr>
@@ -14337,13 +14064,6 @@
               </a:rPr>
               <a:t>注册</a:t>
             </a:r>
-            <a:endParaRPr lang="zh-CN" altLang="en-US" sz="2800" b="1" dirty="0">
-              <a:solidFill>
-                <a:schemeClr val="bg1"/>
-              </a:solidFill>
-              <a:latin typeface="+mn-ea"/>
-              <a:sym typeface="+mn-ea"/>
-            </a:endParaRPr>
           </a:p>
         </p:txBody>
       </p:sp>
@@ -14441,14 +14161,13 @@
               <a:rPr lang="zh-CN" altLang="en-US" sz="3200" b="1" dirty="0"/>
               <a:t>当前进展</a:t>
             </a:r>
-            <a:endParaRPr lang="zh-CN" altLang="en-US" sz="3200" b="1" dirty="0"/>
           </a:p>
         </p:txBody>
       </p:sp>
       <p:graphicFrame>
         <p:nvGraphicFramePr>
           <p:cNvPr id="14" name="对象 13">
-            <a:hlinkClick r:id="" action="ppaction://ole?verb="/>
+            <a:hlinkClick r:id="" action="ppaction://ole?verb=0"/>
           </p:cNvPr>
           <p:cNvGraphicFramePr>
             <a:graphicFrameLocks noChangeAspect="1"/>
@@ -14463,12 +14182,12 @@
           <a:graphicData uri="http://schemas.openxmlformats.org/presentationml/2006/ole">
             <mc:AlternateContent xmlns:mc="http://schemas.openxmlformats.org/markup-compatibility/2006">
               <mc:Choice xmlns:v="urn:schemas-microsoft-com:vml" Requires="v">
-                <p:oleObj spid="_x0000_s1029" name="" r:id="rId1" imgW="914400" imgH="215900" progId="Equation.KSEE3">
+                <p:oleObj r:id="rId3" imgW="914400" imgH="215900" progId="Equation.KSEE3">
                   <p:embed/>
                 </p:oleObj>
               </mc:Choice>
               <mc:Fallback>
-                <p:oleObj name="" r:id="rId1" imgW="914400" imgH="215900" progId="Equation.KSEE3">
+                <p:oleObj r:id="rId3" imgW="914400" imgH="215900" progId="Equation.KSEE3">
                   <p:embed/>
                   <p:pic>
                     <p:nvPicPr>
@@ -14477,7 +14196,7 @@
                       <p:nvPr/>
                     </p:nvPicPr>
                     <p:blipFill>
-                      <a:blip r:embed="rId2"/>
+                      <a:blip r:embed="rId4"/>
                       <a:stretch>
                         <a:fillRect/>
                       </a:stretch>
@@ -14839,7 +14558,6 @@
               <a:rPr lang="en-US" altLang="zh-CN" sz="3500"/>
               <a:t>思路</a:t>
             </a:r>
-            <a:endParaRPr lang="en-US" altLang="zh-CN" sz="3500"/>
           </a:p>
           <a:p>
             <a:pPr marL="914400" lvl="1" indent="-457200">
@@ -14852,9 +14570,6 @@
               </a:rPr>
               <a:t>提取图像的特征（具体模型）</a:t>
             </a:r>
-            <a:endParaRPr lang="zh-CN" altLang="en-US" sz="2400">
-              <a:sym typeface="+mn-ea"/>
-            </a:endParaRPr>
           </a:p>
           <a:p>
             <a:pPr marL="914400" lvl="1" indent="-457200">
@@ -14867,9 +14582,6 @@
               </a:rPr>
               <a:t>每一个类选取一个图像特征（或全部图像的均值）作为该类的代表</a:t>
             </a:r>
-            <a:endParaRPr lang="zh-CN" altLang="en-US" sz="2400">
-              <a:sym typeface="+mn-ea"/>
-            </a:endParaRPr>
           </a:p>
           <a:p>
             <a:pPr marL="914400" lvl="1" indent="-457200">
@@ -14882,9 +14594,6 @@
               </a:rPr>
               <a:t>注册：将注册图像特征作为该类（新的一类）代表</a:t>
             </a:r>
-            <a:endParaRPr lang="zh-CN" altLang="en-US" sz="2400">
-              <a:sym typeface="+mn-ea"/>
-            </a:endParaRPr>
           </a:p>
           <a:p>
             <a:pPr marL="914400" lvl="1" indent="-457200">
@@ -14939,9 +14648,6 @@
               </a:rPr>
               <a:t>）</a:t>
             </a:r>
-            <a:endParaRPr lang="zh-CN" altLang="en-US" sz="2400" dirty="0">
-              <a:latin typeface="+mj-lt"/>
-            </a:endParaRPr>
           </a:p>
           <a:p>
             <a:pPr lvl="1"/>
@@ -14963,9 +14669,6 @@
               </a:rPr>
               <a:t>）</a:t>
             </a:r>
-            <a:endParaRPr lang="zh-CN" altLang="en-US" sz="2400" dirty="0">
-              <a:latin typeface="+mj-lt"/>
-            </a:endParaRPr>
           </a:p>
           <a:p>
             <a:pPr lvl="1"/>
@@ -15059,102 +14762,92 @@
               </a:rPr>
               <a:t>）</a:t>
             </a:r>
-            <a:endParaRPr lang="zh-CN" altLang="en-US" sz="2400" dirty="0">
-              <a:latin typeface="+mj-lt"/>
-            </a:endParaRPr>
           </a:p>
         </p:txBody>
       </p:sp>
     </p:spTree>
     <p:custDataLst>
-      <p:tags r:id="rId3"/>
+      <p:tags r:id="rId1"/>
     </p:custDataLst>
   </p:cSld>
   <p:clrMapOvr>
     <a:masterClrMapping/>
   </p:clrMapOvr>
   <p:transition spd="slow"/>
-  <p:timing>
-    <p:tnLst>
-      <p:par>
-        <p:cTn id="1" dur="indefinite" restart="never" nodeType="tmRoot"/>
-      </p:par>
-    </p:tnLst>
-  </p:timing>
 </p:sld>
 </file>
 
 <file path=ppt/tags/tag1.xml><?xml version="1.0" encoding="utf-8"?>
-<p:tagLst xmlns:p="http://schemas.openxmlformats.org/presentationml/2006/main">
+<p:tagLst xmlns:a="http://schemas.openxmlformats.org/drawingml/2006/main" xmlns:r="http://schemas.openxmlformats.org/officeDocument/2006/relationships" xmlns:p="http://schemas.openxmlformats.org/presentationml/2006/main">
   <p:tag name="KSO_WM_SLIDE_MODEL_TYPE" val="cover"/>
 </p:tagLst>
 </file>
 
 <file path=ppt/tags/tag10.xml><?xml version="1.0" encoding="utf-8"?>
-<p:tagLst xmlns:p="http://schemas.openxmlformats.org/presentationml/2006/main">
+<p:tagLst xmlns:a="http://schemas.openxmlformats.org/drawingml/2006/main" xmlns:r="http://schemas.openxmlformats.org/officeDocument/2006/relationships" xmlns:p="http://schemas.openxmlformats.org/presentationml/2006/main">
   <p:tag name="TIMING" val="|0.1|0.2|0.2"/>
 </p:tagLst>
 </file>
 
 <file path=ppt/tags/tag11.xml><?xml version="1.0" encoding="utf-8"?>
-<p:tagLst xmlns:p="http://schemas.openxmlformats.org/presentationml/2006/main">
+<p:tagLst xmlns:a="http://schemas.openxmlformats.org/drawingml/2006/main" xmlns:r="http://schemas.openxmlformats.org/officeDocument/2006/relationships" xmlns:p="http://schemas.openxmlformats.org/presentationml/2006/main">
   <p:tag name="TIMING" val="|0.1|0.2|0.2"/>
 </p:tagLst>
 </file>
 
 <file path=ppt/tags/tag12.xml><?xml version="1.0" encoding="utf-8"?>
-<p:tagLst xmlns:p="http://schemas.openxmlformats.org/presentationml/2006/main">
+<p:tagLst xmlns:a="http://schemas.openxmlformats.org/drawingml/2006/main" xmlns:r="http://schemas.openxmlformats.org/officeDocument/2006/relationships" xmlns:p="http://schemas.openxmlformats.org/presentationml/2006/main">
   <p:tag name="TIMING" val="|0.1|0.2|0.2"/>
 </p:tagLst>
 </file>
 
 <file path=ppt/tags/tag2.xml><?xml version="1.0" encoding="utf-8"?>
-<p:tagLst xmlns:p="http://schemas.openxmlformats.org/presentationml/2006/main">
+<p:tagLst xmlns:a="http://schemas.openxmlformats.org/drawingml/2006/main" xmlns:r="http://schemas.openxmlformats.org/officeDocument/2006/relationships" xmlns:p="http://schemas.openxmlformats.org/presentationml/2006/main">
   <p:tag name="TIMING" val="|0.1|0.2|0.2"/>
 </p:tagLst>
 </file>
 
 <file path=ppt/tags/tag3.xml><?xml version="1.0" encoding="utf-8"?>
-<p:tagLst xmlns:p="http://schemas.openxmlformats.org/presentationml/2006/main">
+<p:tagLst xmlns:a="http://schemas.openxmlformats.org/drawingml/2006/main" xmlns:r="http://schemas.openxmlformats.org/officeDocument/2006/relationships" xmlns:p="http://schemas.openxmlformats.org/presentationml/2006/main">
   <p:tag name="TIMING" val="|0.1|0.2|0.2"/>
 </p:tagLst>
 </file>
 
 <file path=ppt/tags/tag4.xml><?xml version="1.0" encoding="utf-8"?>
-<p:tagLst xmlns:p="http://schemas.openxmlformats.org/presentationml/2006/main">
+<p:tagLst xmlns:a="http://schemas.openxmlformats.org/drawingml/2006/main" xmlns:r="http://schemas.openxmlformats.org/officeDocument/2006/relationships" xmlns:p="http://schemas.openxmlformats.org/presentationml/2006/main">
   <p:tag name="TIMING" val="|0.1|0.2|0.2"/>
 </p:tagLst>
 </file>
 
 <file path=ppt/tags/tag5.xml><?xml version="1.0" encoding="utf-8"?>
-<p:tagLst xmlns:p="http://schemas.openxmlformats.org/presentationml/2006/main">
+<p:tagLst xmlns:a="http://schemas.openxmlformats.org/drawingml/2006/main" xmlns:r="http://schemas.openxmlformats.org/officeDocument/2006/relationships" xmlns:p="http://schemas.openxmlformats.org/presentationml/2006/main">
   <p:tag name="TIMING" val="|0.1|0.2|0.2"/>
 </p:tagLst>
 </file>
 
 <file path=ppt/tags/tag6.xml><?xml version="1.0" encoding="utf-8"?>
-<p:tagLst xmlns:p="http://schemas.openxmlformats.org/presentationml/2006/main">
+<p:tagLst xmlns:a="http://schemas.openxmlformats.org/drawingml/2006/main" xmlns:r="http://schemas.openxmlformats.org/officeDocument/2006/relationships" xmlns:p="http://schemas.openxmlformats.org/presentationml/2006/main">
   <p:tag name="TIMING" val="|0.1|0.2|0.2"/>
 </p:tagLst>
 </file>
 
 <file path=ppt/tags/tag7.xml><?xml version="1.0" encoding="utf-8"?>
-<p:tagLst xmlns:p="http://schemas.openxmlformats.org/presentationml/2006/main">
+<p:tagLst xmlns:a="http://schemas.openxmlformats.org/drawingml/2006/main" xmlns:r="http://schemas.openxmlformats.org/officeDocument/2006/relationships" xmlns:p="http://schemas.openxmlformats.org/presentationml/2006/main">
   <p:tag name="TIMING" val="|0.1|0.2|0.2"/>
 </p:tagLst>
 </file>
 
 <file path=ppt/tags/tag8.xml><?xml version="1.0" encoding="utf-8"?>
-<p:tagLst xmlns:p="http://schemas.openxmlformats.org/presentationml/2006/main">
-  <p:tag name="KSO_WM_UNIT_TABLE_BEAUTIFY" val="smartTable{5b80015a-1646-4e16-a8b8-bff39a585b9b}"/>
-  <p:tag name="TABLE_ENDDRAG_ORIGIN_RECT" val="561*240"/>
-  <p:tag name="TABLE_ENDDRAG_RECT" val="255*165*561*240"/>
+<p:tagLst xmlns:a="http://schemas.openxmlformats.org/drawingml/2006/main" xmlns:r="http://schemas.openxmlformats.org/officeDocument/2006/relationships" xmlns:p="http://schemas.openxmlformats.org/presentationml/2006/main">
+  <p:tag name="TIMING" val="|0.1|0.2|0.2"/>
 </p:tagLst>
 </file>
 
 <file path=ppt/tags/tag9.xml><?xml version="1.0" encoding="utf-8"?>
-<p:tagLst xmlns:p="http://schemas.openxmlformats.org/presentationml/2006/main">
-  <p:tag name="TIMING" val="|0.1|0.2|0.2"/>
+<p:tagLst xmlns:a="http://schemas.openxmlformats.org/drawingml/2006/main" xmlns:r="http://schemas.openxmlformats.org/officeDocument/2006/relationships" xmlns:p="http://schemas.openxmlformats.org/presentationml/2006/main">
+  <p:tag name="KSO_WM_UNIT_TABLE_BEAUTIFY" val="smartTable{5b80015a-1646-4e16-a8b8-bff39a585b9b}"/>
+  <p:tag name="TABLE_ENDDRAG_ORIGIN_RECT" val="561*240"/>
+  <p:tag name="TABLE_ENDDRAG_RECT" val="255*165*561*240"/>
 </p:tagLst>
 </file>
 
@@ -15409,6 +15102,8 @@
       </a:bgFillStyleLst>
     </a:fmtScheme>
   </a:themeElements>
+  <a:objectDefaults/>
+  <a:extraClrSchemeLst/>
   <a:extLst>
     <a:ext uri="{05A4C25C-085E-4340-85A3-A5531E510DB2}">
       <thm15:themeFamily xmlns:thm15="http://schemas.microsoft.com/office/thememl/2012/main" name="Office Theme" id="{62F939B6-93AF-4DB8-9C6B-D6C7DFDC589F}" vid="{4A3C46E8-61CC-4603-A589-7422A47A8E4A}"/>
@@ -15668,6 +15363,8 @@
       </a:bgFillStyleLst>
     </a:fmtScheme>
   </a:themeElements>
+  <a:objectDefaults/>
+  <a:extraClrSchemeLst/>
   <a:extLst>
     <a:ext uri="{05A4C25C-085E-4340-85A3-A5531E510DB2}">
       <thm15:themeFamily xmlns:thm15="http://schemas.microsoft.com/office/thememl/2012/main" name="Office Theme" id="{62F939B6-93AF-4DB8-9C6B-D6C7DFDC589F}" vid="{4A3C46E8-61CC-4603-A589-7422A47A8E4A}"/>
